--- a/Content/Machine Learning/Azure Machine Learning.pptx
+++ b/Content/Machine Learning/Azure Machine Learning.pptx
@@ -5,19 +5,21 @@
     <p:sldMasterId id="2147483680" r:id="rId1"/>
   </p:sldMasterIdLst>
   <p:notesMasterIdLst>
-    <p:notesMasterId r:id="rId12"/>
+    <p:notesMasterId r:id="rId14"/>
   </p:notesMasterIdLst>
   <p:sldIdLst>
     <p:sldId id="256" r:id="rId2"/>
-    <p:sldId id="268" r:id="rId3"/>
-    <p:sldId id="275" r:id="rId4"/>
-    <p:sldId id="260" r:id="rId5"/>
-    <p:sldId id="262" r:id="rId6"/>
-    <p:sldId id="274" r:id="rId7"/>
-    <p:sldId id="269" r:id="rId8"/>
-    <p:sldId id="277" r:id="rId9"/>
-    <p:sldId id="266" r:id="rId10"/>
-    <p:sldId id="267" r:id="rId11"/>
+    <p:sldId id="278" r:id="rId3"/>
+    <p:sldId id="279" r:id="rId4"/>
+    <p:sldId id="268" r:id="rId5"/>
+    <p:sldId id="275" r:id="rId6"/>
+    <p:sldId id="260" r:id="rId7"/>
+    <p:sldId id="262" r:id="rId8"/>
+    <p:sldId id="274" r:id="rId9"/>
+    <p:sldId id="269" r:id="rId10"/>
+    <p:sldId id="277" r:id="rId11"/>
+    <p:sldId id="266" r:id="rId12"/>
+    <p:sldId id="267" r:id="rId13"/>
   </p:sldIdLst>
   <p:sldSz cx="12192000" cy="6858000"/>
   <p:notesSz cx="6858000" cy="9144000"/>
@@ -206,7 +208,7 @@
           <a:p>
             <a:fld id="{2E5CA586-3557-4985-BCD4-35EF5AC8B4A4}" type="datetimeFigureOut">
               <a:rPr lang="en-US" smtClean="0"/>
-              <a:t>2/8/2016</a:t>
+              <a:t>8/29/2016</a:t>
             </a:fld>
             <a:endParaRPr lang="en-US"/>
           </a:p>
@@ -541,32 +543,50 @@
             </a:r>
             <a:r>
               <a:rPr lang="en-US" baseline="0" dirty="0" smtClean="0"/>
-              <a:t> Azure Machine Learning, while Amazon offers Amazon Machine learning and Google offers the Google Prediction API. Software products such as MATLAB support traditional, non-cloud-based ML modeling. To show a great example of ML at work, demo </a:t>
-            </a:r>
-            <a:r>
-              <a:rPr lang="en-US" sz="1200" u="sng" kern="1200" dirty="0" smtClean="0">
-                <a:solidFill>
-                  <a:schemeClr val="tx1"/>
-                </a:solidFill>
-                <a:effectLst/>
-                <a:latin typeface="+mn-lt"/>
-                <a:ea typeface="+mn-ea"/>
-                <a:cs typeface="+mn-cs"/>
-                <a:hlinkClick r:id="rId3"/>
-              </a:rPr>
-              <a:t>https://how-old.net/#</a:t>
-            </a:r>
-            <a:r>
-              <a:rPr lang="en-US" sz="1200" u="none" kern="1200" dirty="0" smtClean="0">
-                <a:solidFill>
-                  <a:schemeClr val="tx1"/>
-                </a:solidFill>
-                <a:effectLst/>
-                <a:latin typeface="+mn-lt"/>
-                <a:ea typeface="+mn-ea"/>
-                <a:cs typeface="+mn-cs"/>
-              </a:rPr>
-              <a:t>.</a:t>
+              <a:t> Azure Machine Learning, while Amazon offers Amazon Machine Learning and Google offers the Google Prediction API. Software products such as MATLAB support traditional, non-cloud-based ML modeling.</a:t>
+            </a:r>
+          </a:p>
+          <a:p>
+            <a:pPr marL="0" marR="0" indent="0" algn="l" defTabSz="914400" rtl="0" eaLnBrk="1" fontAlgn="auto" latinLnBrk="0" hangingPunct="1">
+              <a:lnSpc>
+                <a:spcPct val="100000"/>
+              </a:lnSpc>
+              <a:spcBef>
+                <a:spcPts val="0"/>
+              </a:spcBef>
+              <a:spcAft>
+                <a:spcPts val="0"/>
+              </a:spcAft>
+              <a:buClrTx/>
+              <a:buSzTx/>
+              <a:buFontTx/>
+              <a:buNone/>
+              <a:tabLst/>
+              <a:defRPr/>
+            </a:pPr>
+            <a:endParaRPr lang="en-US" baseline="0" dirty="0" smtClean="0"/>
+          </a:p>
+          <a:p>
+            <a:pPr marL="0" marR="0" indent="0" algn="l" defTabSz="914400" rtl="0" eaLnBrk="1" fontAlgn="auto" latinLnBrk="0" hangingPunct="1">
+              <a:lnSpc>
+                <a:spcPct val="100000"/>
+              </a:lnSpc>
+              <a:spcBef>
+                <a:spcPts val="0"/>
+              </a:spcBef>
+              <a:spcAft>
+                <a:spcPts val="0"/>
+              </a:spcAft>
+              <a:buClrTx/>
+              <a:buSzTx/>
+              <a:buFontTx/>
+              <a:buNone/>
+              <a:tabLst/>
+              <a:defRPr/>
+            </a:pPr>
+            <a:r>
+              <a:rPr lang="en-US" baseline="0" dirty="0" smtClean="0"/>
+              <a:t>Machine learning models fall into two broad categories: supervised and unsupervised. In supervised learning, the model is "trained" with a large volume of data and algorithms are then used to predict an outcome from future inputs. Most supervised learning models use regression algorithms to compute an outcome from a continuous set of possible outcomes (for example, your score on a test), or classification algorithms to compute the probability of an outcome from a finite set of possible outcomes (for example, the probability that an e-mail is spam or a credit-card transaction is fraudulent). In unsupervised learning, the computer isn't trained, but is presented with a set of data and challenged to find relationships in it. K-Means Clustering is a common unsupervised learning algorithm. For a great explanation of how it works, see https://blog.intercom.io/machine-learning-way-easier-than-it-looks/.</a:t>
             </a:r>
             <a:endParaRPr lang="en-US" dirty="0" smtClean="0"/>
           </a:p>
@@ -598,7 +618,7 @@
     </p:spTree>
     <p:extLst>
       <p:ext uri="{BB962C8B-B14F-4D97-AF65-F5344CB8AC3E}">
-        <p14:creationId xmlns:p14="http://schemas.microsoft.com/office/powerpoint/2010/main" val="3556776046"/>
+        <p14:creationId xmlns:p14="http://schemas.microsoft.com/office/powerpoint/2010/main" val="2659089611"/>
       </p:ext>
     </p:extLst>
   </p:cSld>
@@ -652,33 +672,49 @@
           <a:bodyPr/>
           <a:lstStyle/>
           <a:p>
-            <a:r>
-              <a:rPr lang="en-US" dirty="0" smtClean="0"/>
-              <a:t>This quote came from a graduate</a:t>
-            </a:r>
-            <a:r>
-              <a:rPr lang="en-US" baseline="0" dirty="0" smtClean="0"/>
-              <a:t> student </a:t>
-            </a:r>
-            <a:r>
-              <a:rPr lang="en-US" dirty="0" smtClean="0"/>
-              <a:t>who attended this class at UMass. He had already accepted at offer</a:t>
-            </a:r>
-            <a:r>
-              <a:rPr lang="en-US" baseline="0" dirty="0" smtClean="0"/>
-              <a:t> to go to work for </a:t>
-            </a:r>
-            <a:r>
-              <a:rPr lang="en-US" dirty="0" smtClean="0"/>
-              <a:t>Microsoft post-graduation. </a:t>
-            </a:r>
-            <a:r>
-              <a:rPr lang="en-US" dirty="0" smtClean="0">
-                <a:sym typeface="Wingdings" panose="05000000000000000000" pitchFamily="2" charset="2"/>
+            <a:pPr marL="0" marR="0" lvl="0" indent="0" algn="l" defTabSz="914400" rtl="0" eaLnBrk="1" fontAlgn="auto" latinLnBrk="0" hangingPunct="1">
+              <a:lnSpc>
+                <a:spcPct val="100000"/>
+              </a:lnSpc>
+              <a:spcBef>
+                <a:spcPts val="0"/>
+              </a:spcBef>
+              <a:spcAft>
+                <a:spcPts val="0"/>
+              </a:spcAft>
+              <a:buClrTx/>
+              <a:buSzTx/>
+              <a:buFontTx/>
+              <a:buNone/>
+              <a:tabLst/>
+              <a:defRPr/>
+            </a:pPr>
+            <a:r>
+              <a:rPr lang="en-US" sz="1200" u="sng" kern="1200" dirty="0" smtClean="0">
+                <a:solidFill>
+                  <a:schemeClr val="tx1"/>
+                </a:solidFill>
+                <a:effectLst/>
+                <a:latin typeface="+mn-lt"/>
+                <a:ea typeface="+mn-ea"/>
+                <a:cs typeface="+mn-cs"/>
+                <a:hlinkClick r:id="rId3"/>
               </a:rPr>
-              <a:t></a:t>
-            </a:r>
-            <a:endParaRPr lang="en-US" dirty="0"/>
+              <a:t>https://how-old.net/#</a:t>
+            </a:r>
+            <a:r>
+              <a:rPr lang="en-US" sz="1200" u="none" kern="1200" baseline="0" dirty="0" smtClean="0">
+                <a:solidFill>
+                  <a:schemeClr val="tx1"/>
+                </a:solidFill>
+                <a:effectLst/>
+                <a:latin typeface="+mn-lt"/>
+                <a:ea typeface="+mn-ea"/>
+                <a:cs typeface="+mn-cs"/>
+              </a:rPr>
+              <a:t> offers a great example of machine learning in action. Created by Microsoft, the site uses advanced image-recognition techniques to analyze photos you upload and then uses an ML model to "predict" the ages of the people in the photos.</a:t>
+            </a:r>
+            <a:endParaRPr lang="en-US" dirty="0" smtClean="0"/>
           </a:p>
         </p:txBody>
       </p:sp>
@@ -708,7 +744,7 @@
     </p:spTree>
     <p:extLst>
       <p:ext uri="{BB962C8B-B14F-4D97-AF65-F5344CB8AC3E}">
-        <p14:creationId xmlns:p14="http://schemas.microsoft.com/office/powerpoint/2010/main" val="1445348869"/>
+        <p14:creationId xmlns:p14="http://schemas.microsoft.com/office/powerpoint/2010/main" val="833504185"/>
       </p:ext>
     </p:extLst>
   </p:cSld>
@@ -762,42 +798,30 @@
           <a:bodyPr/>
           <a:lstStyle/>
           <a:p>
-            <a:r>
-              <a:rPr lang="en-US" sz="1200" kern="1200" dirty="0" smtClean="0">
-                <a:solidFill>
-                  <a:schemeClr val="tx1"/>
-                </a:solidFill>
-                <a:effectLst/>
-                <a:latin typeface="+mn-lt"/>
-                <a:ea typeface="+mn-ea"/>
-                <a:cs typeface="+mn-cs"/>
-              </a:rPr>
-              <a:t>Anomaly detection is the identification of items, events, or observations which do not conform to an expected pattern or other items in a dataset. A classic example is examining a dataset representing banking transactions and detecting potentially fraudulent transactions in that group.</a:t>
-            </a:r>
-          </a:p>
-          <a:p>
-            <a:endParaRPr lang="en-US" sz="1200" kern="1200" dirty="0" smtClean="0">
-              <a:solidFill>
-                <a:schemeClr val="tx1"/>
-              </a:solidFill>
-              <a:effectLst/>
-              <a:latin typeface="+mn-lt"/>
-              <a:ea typeface="+mn-ea"/>
-              <a:cs typeface="+mn-cs"/>
-            </a:endParaRPr>
-          </a:p>
-          <a:p>
-            <a:r>
-              <a:rPr lang="en-US" sz="1200" kern="1200" dirty="0" smtClean="0">
-                <a:solidFill>
-                  <a:schemeClr val="tx1"/>
-                </a:solidFill>
-                <a:effectLst/>
-                <a:latin typeface="+mn-lt"/>
-                <a:ea typeface="+mn-ea"/>
-                <a:cs typeface="+mn-cs"/>
-              </a:rPr>
-              <a:t>Regression algorithms seek to establish and quantify relationships between variables. By establishing a relationship between a dependent variable and one or more independent variables, regression analysis can enable the value of a dependent variable to be predicted given a set of inputs with a quantifiable accuracy. A great example can be seen at </a:t>
+            <a:pPr marL="0" marR="0" indent="0" algn="l" defTabSz="914400" rtl="0" eaLnBrk="1" fontAlgn="auto" latinLnBrk="0" hangingPunct="1">
+              <a:lnSpc>
+                <a:spcPct val="100000"/>
+              </a:lnSpc>
+              <a:spcBef>
+                <a:spcPts val="0"/>
+              </a:spcBef>
+              <a:spcAft>
+                <a:spcPts val="0"/>
+              </a:spcAft>
+              <a:buClrTx/>
+              <a:buSzTx/>
+              <a:buFontTx/>
+              <a:buNone/>
+              <a:tabLst/>
+              <a:defRPr/>
+            </a:pPr>
+            <a:r>
+              <a:rPr lang="en-US" dirty="0" smtClean="0"/>
+              <a:t>Machine Learning finds patterns in large volumes of data and uses those patterns to perform predictive analysis. Microsoft offers</a:t>
+            </a:r>
+            <a:r>
+              <a:rPr lang="en-US" baseline="0" dirty="0" smtClean="0"/>
+              <a:t> Azure Machine Learning, while Amazon offers Amazon Machine learning and Google offers the Google Prediction API. Software products such as MATLAB support traditional, non-cloud-based ML modeling. To show a great example of ML at work, demo </a:t>
             </a:r>
             <a:r>
               <a:rPr lang="en-US" sz="1200" u="sng" kern="1200" dirty="0" smtClean="0">
@@ -813,7 +837,7 @@
               <a:t>https://how-old.net/#</a:t>
             </a:r>
             <a:r>
-              <a:rPr lang="en-US" sz="1200" kern="1200" dirty="0" smtClean="0">
+              <a:rPr lang="en-US" sz="1200" u="none" kern="1200" dirty="0" smtClean="0">
                 <a:solidFill>
                   <a:schemeClr val="tx1"/>
                 </a:solidFill>
@@ -822,61 +846,9 @@
                 <a:ea typeface="+mn-ea"/>
                 <a:cs typeface="+mn-cs"/>
               </a:rPr>
-              <a:t>, a site that lets you upload a photo and then guesses your age with uncanny accuracy. The site uses Azure Machine Learning and combines classic regression with advanced image recognition.</a:t>
-            </a:r>
-          </a:p>
-          <a:p>
-            <a:endParaRPr lang="en-US" sz="1200" kern="1200" dirty="0" smtClean="0">
-              <a:solidFill>
-                <a:schemeClr val="tx1"/>
-              </a:solidFill>
-              <a:effectLst/>
-              <a:latin typeface="+mn-lt"/>
-              <a:ea typeface="+mn-ea"/>
-              <a:cs typeface="+mn-cs"/>
-            </a:endParaRPr>
-          </a:p>
-          <a:p>
-            <a:r>
-              <a:rPr lang="en-US" sz="1200" kern="1200" dirty="0" smtClean="0">
-                <a:solidFill>
-                  <a:schemeClr val="tx1"/>
-                </a:solidFill>
-                <a:effectLst/>
-                <a:latin typeface="+mn-lt"/>
-                <a:ea typeface="+mn-ea"/>
-                <a:cs typeface="+mn-cs"/>
-              </a:rPr>
-              <a:t>The purpose of classification algorithms is to identify the category to which an observation belongs based on training data consisting of observations which have already been classified (assigned to a category). A great example is determining whether an e-mail belongs to the "spam" category or the "not-spam" category.</a:t>
-            </a:r>
-          </a:p>
-          <a:p>
-            <a:endParaRPr lang="en-US" sz="1200" kern="1200" dirty="0" smtClean="0">
-              <a:solidFill>
-                <a:schemeClr val="tx1"/>
-              </a:solidFill>
-              <a:effectLst/>
-              <a:latin typeface="+mn-lt"/>
-              <a:ea typeface="+mn-ea"/>
-              <a:cs typeface="+mn-cs"/>
-            </a:endParaRPr>
-          </a:p>
-          <a:p>
-            <a:r>
-              <a:rPr lang="en-US" sz="1200" kern="1200" dirty="0" smtClean="0">
-                <a:solidFill>
-                  <a:schemeClr val="tx1"/>
-                </a:solidFill>
-                <a:effectLst/>
-                <a:latin typeface="+mn-lt"/>
-                <a:ea typeface="+mn-ea"/>
-                <a:cs typeface="+mn-cs"/>
-              </a:rPr>
-              <a:t>Clustering seeks to group a set of objects in such a way that objects in the same group (called a cluster) are more similar to each other than to those in other groups (clusters). </a:t>
-            </a:r>
-          </a:p>
-          <a:p>
-            <a:endParaRPr lang="en-US" dirty="0"/>
+              <a:t>.</a:t>
+            </a:r>
+            <a:endParaRPr lang="en-US" dirty="0" smtClean="0"/>
           </a:p>
         </p:txBody>
       </p:sp>
@@ -897,7 +869,7 @@
           <a:p>
             <a:fld id="{BC60BE34-BC89-4C98-A56B-79B7A098D024}" type="slidenum">
               <a:rPr lang="en-US" smtClean="0"/>
-              <a:t>6</a:t>
+              <a:t>4</a:t>
             </a:fld>
             <a:endParaRPr lang="en-US"/>
           </a:p>
@@ -906,7 +878,7 @@
     </p:spTree>
     <p:extLst>
       <p:ext uri="{BB962C8B-B14F-4D97-AF65-F5344CB8AC3E}">
-        <p14:creationId xmlns:p14="http://schemas.microsoft.com/office/powerpoint/2010/main" val="3603783424"/>
+        <p14:creationId xmlns:p14="http://schemas.microsoft.com/office/powerpoint/2010/main" val="3556776046"/>
       </p:ext>
     </p:extLst>
   </p:cSld>
@@ -962,11 +934,29 @@
           <a:p>
             <a:r>
               <a:rPr lang="en-US" dirty="0" smtClean="0"/>
-              <a:t>One example here is if you want to use a set of input values to predict</a:t>
+              <a:t>This quote came from a graduate</a:t>
             </a:r>
             <a:r>
               <a:rPr lang="en-US" baseline="0" dirty="0" smtClean="0"/>
-              <a:t> an output value, use linear regression. But if you're more interested in the distribution of the output use fast forest quantile regression instead. An example of when you would use the latter is using growth charts to assess child development. "Abby's height is in the 10% quantile of the heights of kids her age."</a:t>
+              <a:t> student </a:t>
+            </a:r>
+            <a:r>
+              <a:rPr lang="en-US" dirty="0" smtClean="0"/>
+              <a:t>who attended this class at UMass. He had already accepted at offer</a:t>
+            </a:r>
+            <a:r>
+              <a:rPr lang="en-US" baseline="0" dirty="0" smtClean="0"/>
+              <a:t> to go to work for </a:t>
+            </a:r>
+            <a:r>
+              <a:rPr lang="en-US" dirty="0" smtClean="0"/>
+              <a:t>Microsoft post-graduation. </a:t>
+            </a:r>
+            <a:r>
+              <a:rPr lang="en-US" dirty="0" smtClean="0">
+                <a:sym typeface="Wingdings" panose="05000000000000000000" pitchFamily="2" charset="2"/>
+              </a:rPr>
+              <a:t></a:t>
             </a:r>
             <a:endParaRPr lang="en-US" dirty="0"/>
           </a:p>
@@ -989,7 +979,7 @@
           <a:p>
             <a:fld id="{BC60BE34-BC89-4C98-A56B-79B7A098D024}" type="slidenum">
               <a:rPr lang="en-US" smtClean="0"/>
-              <a:t>7</a:t>
+              <a:t>5</a:t>
             </a:fld>
             <a:endParaRPr lang="en-US"/>
           </a:p>
@@ -998,7 +988,7 @@
     </p:spTree>
     <p:extLst>
       <p:ext uri="{BB962C8B-B14F-4D97-AF65-F5344CB8AC3E}">
-        <p14:creationId xmlns:p14="http://schemas.microsoft.com/office/powerpoint/2010/main" val="623950281"/>
+        <p14:creationId xmlns:p14="http://schemas.microsoft.com/office/powerpoint/2010/main" val="1445348869"/>
       </p:ext>
     </p:extLst>
   </p:cSld>
@@ -1052,6 +1042,120 @@
           <a:bodyPr/>
           <a:lstStyle/>
           <a:p>
+            <a:r>
+              <a:rPr lang="en-US" sz="1200" kern="1200" dirty="0" smtClean="0">
+                <a:solidFill>
+                  <a:schemeClr val="tx1"/>
+                </a:solidFill>
+                <a:effectLst/>
+                <a:latin typeface="+mn-lt"/>
+                <a:ea typeface="+mn-ea"/>
+                <a:cs typeface="+mn-cs"/>
+              </a:rPr>
+              <a:t>Anomaly detection is the identification of items, events, or observations which do not conform to an expected pattern or other items in a dataset. A classic example is examining a dataset representing banking transactions and detecting potentially fraudulent transactions in that group.</a:t>
+            </a:r>
+          </a:p>
+          <a:p>
+            <a:endParaRPr lang="en-US" sz="1200" kern="1200" dirty="0" smtClean="0">
+              <a:solidFill>
+                <a:schemeClr val="tx1"/>
+              </a:solidFill>
+              <a:effectLst/>
+              <a:latin typeface="+mn-lt"/>
+              <a:ea typeface="+mn-ea"/>
+              <a:cs typeface="+mn-cs"/>
+            </a:endParaRPr>
+          </a:p>
+          <a:p>
+            <a:r>
+              <a:rPr lang="en-US" sz="1200" kern="1200" dirty="0" smtClean="0">
+                <a:solidFill>
+                  <a:schemeClr val="tx1"/>
+                </a:solidFill>
+                <a:effectLst/>
+                <a:latin typeface="+mn-lt"/>
+                <a:ea typeface="+mn-ea"/>
+                <a:cs typeface="+mn-cs"/>
+              </a:rPr>
+              <a:t>Regression algorithms seek to establish and quantify relationships between variables. By establishing a relationship between a dependent variable and one or more independent variables, regression analysis can enable the value of a dependent variable to be predicted given a set of inputs with a quantifiable accuracy. A great example can be seen at </a:t>
+            </a:r>
+            <a:r>
+              <a:rPr lang="en-US" sz="1200" u="sng" kern="1200" dirty="0" smtClean="0">
+                <a:solidFill>
+                  <a:schemeClr val="tx1"/>
+                </a:solidFill>
+                <a:effectLst/>
+                <a:latin typeface="+mn-lt"/>
+                <a:ea typeface="+mn-ea"/>
+                <a:cs typeface="+mn-cs"/>
+                <a:hlinkClick r:id="rId3"/>
+              </a:rPr>
+              <a:t>https://how-old.net/#</a:t>
+            </a:r>
+            <a:r>
+              <a:rPr lang="en-US" sz="1200" kern="1200" dirty="0" smtClean="0">
+                <a:solidFill>
+                  <a:schemeClr val="tx1"/>
+                </a:solidFill>
+                <a:effectLst/>
+                <a:latin typeface="+mn-lt"/>
+                <a:ea typeface="+mn-ea"/>
+                <a:cs typeface="+mn-cs"/>
+              </a:rPr>
+              <a:t>, a site that lets you upload a photo and then guesses your age with uncanny accuracy. The site uses Azure Machine Learning and combines classic regression with advanced image recognition.</a:t>
+            </a:r>
+          </a:p>
+          <a:p>
+            <a:endParaRPr lang="en-US" sz="1200" kern="1200" dirty="0" smtClean="0">
+              <a:solidFill>
+                <a:schemeClr val="tx1"/>
+              </a:solidFill>
+              <a:effectLst/>
+              <a:latin typeface="+mn-lt"/>
+              <a:ea typeface="+mn-ea"/>
+              <a:cs typeface="+mn-cs"/>
+            </a:endParaRPr>
+          </a:p>
+          <a:p>
+            <a:r>
+              <a:rPr lang="en-US" sz="1200" kern="1200" dirty="0" smtClean="0">
+                <a:solidFill>
+                  <a:schemeClr val="tx1"/>
+                </a:solidFill>
+                <a:effectLst/>
+                <a:latin typeface="+mn-lt"/>
+                <a:ea typeface="+mn-ea"/>
+                <a:cs typeface="+mn-cs"/>
+              </a:rPr>
+              <a:t>The purpose of classification algorithms is to identify the category to which an observation belongs based on training data consisting of observations which have already been classified (assigned to a category). A great example is determining whether an e-mail belongs to the "spam" category or the "not-spam" category.</a:t>
+            </a:r>
+          </a:p>
+          <a:p>
+            <a:endParaRPr lang="en-US" sz="1200" kern="1200" dirty="0" smtClean="0">
+              <a:solidFill>
+                <a:schemeClr val="tx1"/>
+              </a:solidFill>
+              <a:effectLst/>
+              <a:latin typeface="+mn-lt"/>
+              <a:ea typeface="+mn-ea"/>
+              <a:cs typeface="+mn-cs"/>
+            </a:endParaRPr>
+          </a:p>
+          <a:p>
+            <a:r>
+              <a:rPr lang="en-US" sz="1200" kern="1200" dirty="0" smtClean="0">
+                <a:solidFill>
+                  <a:schemeClr val="tx1"/>
+                </a:solidFill>
+                <a:effectLst/>
+                <a:latin typeface="+mn-lt"/>
+                <a:ea typeface="+mn-ea"/>
+                <a:cs typeface="+mn-cs"/>
+              </a:rPr>
+              <a:t>Clustering seeks to group a set of objects in such a way that objects in the same group (called a cluster) are more similar to each other than to those in other groups (clusters). </a:t>
+            </a:r>
+          </a:p>
+          <a:p>
             <a:endParaRPr lang="en-US" dirty="0"/>
           </a:p>
         </p:txBody>
@@ -1074,6 +1178,182 @@
             <a:fld id="{BC60BE34-BC89-4C98-A56B-79B7A098D024}" type="slidenum">
               <a:rPr lang="en-US" smtClean="0"/>
               <a:t>8</a:t>
+            </a:fld>
+            <a:endParaRPr lang="en-US"/>
+          </a:p>
+        </p:txBody>
+      </p:sp>
+    </p:spTree>
+    <p:extLst>
+      <p:ext uri="{BB962C8B-B14F-4D97-AF65-F5344CB8AC3E}">
+        <p14:creationId xmlns:p14="http://schemas.microsoft.com/office/powerpoint/2010/main" val="3603783424"/>
+      </p:ext>
+    </p:extLst>
+  </p:cSld>
+  <p:clrMapOvr>
+    <a:masterClrMapping/>
+  </p:clrMapOvr>
+</p:notes>
+</file>
+
+<file path=ppt/notesSlides/notesSlide6.xml><?xml version="1.0" encoding="utf-8"?>
+<p:notes xmlns:a="http://schemas.openxmlformats.org/drawingml/2006/main" xmlns:r="http://schemas.openxmlformats.org/officeDocument/2006/relationships" xmlns:p="http://schemas.openxmlformats.org/presentationml/2006/main">
+  <p:cSld>
+    <p:spTree>
+      <p:nvGrpSpPr>
+        <p:cNvPr id="1" name=""/>
+        <p:cNvGrpSpPr/>
+        <p:nvPr/>
+      </p:nvGrpSpPr>
+      <p:grpSpPr>
+        <a:xfrm>
+          <a:off x="0" y="0"/>
+          <a:ext cx="0" cy="0"/>
+          <a:chOff x="0" y="0"/>
+          <a:chExt cx="0" cy="0"/>
+        </a:xfrm>
+      </p:grpSpPr>
+      <p:sp>
+        <p:nvSpPr>
+          <p:cNvPr id="2" name="Slide Image Placeholder 1"/>
+          <p:cNvSpPr>
+            <a:spLocks noGrp="1" noRot="1" noChangeAspect="1"/>
+          </p:cNvSpPr>
+          <p:nvPr>
+            <p:ph type="sldImg"/>
+          </p:nvPr>
+        </p:nvSpPr>
+        <p:spPr/>
+      </p:sp>
+      <p:sp>
+        <p:nvSpPr>
+          <p:cNvPr id="3" name="Notes Placeholder 2"/>
+          <p:cNvSpPr>
+            <a:spLocks noGrp="1"/>
+          </p:cNvSpPr>
+          <p:nvPr>
+            <p:ph type="body" idx="1"/>
+          </p:nvPr>
+        </p:nvSpPr>
+        <p:spPr/>
+        <p:txBody>
+          <a:bodyPr/>
+          <a:lstStyle/>
+          <a:p>
+            <a:r>
+              <a:rPr lang="en-US" dirty="0" smtClean="0"/>
+              <a:t>One example here is if you want to use a set of input values to predict</a:t>
+            </a:r>
+            <a:r>
+              <a:rPr lang="en-US" baseline="0" dirty="0" smtClean="0"/>
+              <a:t> an output value, use linear regression. But if you're more interested in the distribution of the output use fast forest quantile regression instead. An example of when you would use the latter is using growth charts to assess child development. "Abby's height is in the 10% quantile of the heights of kids her age."</a:t>
+            </a:r>
+            <a:endParaRPr lang="en-US" dirty="0"/>
+          </a:p>
+        </p:txBody>
+      </p:sp>
+      <p:sp>
+        <p:nvSpPr>
+          <p:cNvPr id="4" name="Slide Number Placeholder 3"/>
+          <p:cNvSpPr>
+            <a:spLocks noGrp="1"/>
+          </p:cNvSpPr>
+          <p:nvPr>
+            <p:ph type="sldNum" sz="quarter" idx="10"/>
+          </p:nvPr>
+        </p:nvSpPr>
+        <p:spPr/>
+        <p:txBody>
+          <a:bodyPr/>
+          <a:lstStyle/>
+          <a:p>
+            <a:fld id="{BC60BE34-BC89-4C98-A56B-79B7A098D024}" type="slidenum">
+              <a:rPr lang="en-US" smtClean="0"/>
+              <a:t>9</a:t>
+            </a:fld>
+            <a:endParaRPr lang="en-US"/>
+          </a:p>
+        </p:txBody>
+      </p:sp>
+    </p:spTree>
+    <p:extLst>
+      <p:ext uri="{BB962C8B-B14F-4D97-AF65-F5344CB8AC3E}">
+        <p14:creationId xmlns:p14="http://schemas.microsoft.com/office/powerpoint/2010/main" val="623950281"/>
+      </p:ext>
+    </p:extLst>
+  </p:cSld>
+  <p:clrMapOvr>
+    <a:masterClrMapping/>
+  </p:clrMapOvr>
+</p:notes>
+</file>
+
+<file path=ppt/notesSlides/notesSlide7.xml><?xml version="1.0" encoding="utf-8"?>
+<p:notes xmlns:a="http://schemas.openxmlformats.org/drawingml/2006/main" xmlns:r="http://schemas.openxmlformats.org/officeDocument/2006/relationships" xmlns:p="http://schemas.openxmlformats.org/presentationml/2006/main">
+  <p:cSld>
+    <p:spTree>
+      <p:nvGrpSpPr>
+        <p:cNvPr id="1" name=""/>
+        <p:cNvGrpSpPr/>
+        <p:nvPr/>
+      </p:nvGrpSpPr>
+      <p:grpSpPr>
+        <a:xfrm>
+          <a:off x="0" y="0"/>
+          <a:ext cx="0" cy="0"/>
+          <a:chOff x="0" y="0"/>
+          <a:chExt cx="0" cy="0"/>
+        </a:xfrm>
+      </p:grpSpPr>
+      <p:sp>
+        <p:nvSpPr>
+          <p:cNvPr id="2" name="Slide Image Placeholder 1"/>
+          <p:cNvSpPr>
+            <a:spLocks noGrp="1" noRot="1" noChangeAspect="1"/>
+          </p:cNvSpPr>
+          <p:nvPr>
+            <p:ph type="sldImg"/>
+          </p:nvPr>
+        </p:nvSpPr>
+        <p:spPr/>
+      </p:sp>
+      <p:sp>
+        <p:nvSpPr>
+          <p:cNvPr id="3" name="Notes Placeholder 2"/>
+          <p:cNvSpPr>
+            <a:spLocks noGrp="1"/>
+          </p:cNvSpPr>
+          <p:nvPr>
+            <p:ph type="body" idx="1"/>
+          </p:nvPr>
+        </p:nvSpPr>
+        <p:spPr/>
+        <p:txBody>
+          <a:bodyPr/>
+          <a:lstStyle/>
+          <a:p>
+            <a:endParaRPr lang="en-US" dirty="0"/>
+          </a:p>
+        </p:txBody>
+      </p:sp>
+      <p:sp>
+        <p:nvSpPr>
+          <p:cNvPr id="4" name="Slide Number Placeholder 3"/>
+          <p:cNvSpPr>
+            <a:spLocks noGrp="1"/>
+          </p:cNvSpPr>
+          <p:nvPr>
+            <p:ph type="sldNum" sz="quarter" idx="10"/>
+          </p:nvPr>
+        </p:nvSpPr>
+        <p:spPr/>
+        <p:txBody>
+          <a:bodyPr/>
+          <a:lstStyle/>
+          <a:p>
+            <a:fld id="{BC60BE34-BC89-4C98-A56B-79B7A098D024}" type="slidenum">
+              <a:rPr lang="en-US" smtClean="0"/>
+              <a:t>10</a:t>
             </a:fld>
             <a:endParaRPr lang="en-US"/>
           </a:p>
@@ -11967,6 +12247,373 @@
 <file path=ppt/slides/slide10.xml><?xml version="1.0" encoding="utf-8"?>
 <p:sld xmlns:a="http://schemas.openxmlformats.org/drawingml/2006/main" xmlns:r="http://schemas.openxmlformats.org/officeDocument/2006/relationships" xmlns:p="http://schemas.openxmlformats.org/presentationml/2006/main">
   <p:cSld>
+    <p:bg>
+      <p:bgPr>
+        <a:blipFill dpi="0" rotWithShape="1">
+          <a:blip r:embed="rId3">
+            <a:alphaModFix amt="50000"/>
+            <a:lum/>
+          </a:blip>
+          <a:srcRect/>
+          <a:stretch>
+            <a:fillRect t="-18000" b="-18000"/>
+          </a:stretch>
+        </a:blipFill>
+        <a:effectLst/>
+      </p:bgPr>
+    </p:bg>
+    <p:spTree>
+      <p:nvGrpSpPr>
+        <p:cNvPr id="1" name=""/>
+        <p:cNvGrpSpPr/>
+        <p:nvPr/>
+      </p:nvGrpSpPr>
+      <p:grpSpPr>
+        <a:xfrm>
+          <a:off x="0" y="0"/>
+          <a:ext cx="0" cy="0"/>
+          <a:chOff x="0" y="0"/>
+          <a:chExt cx="0" cy="0"/>
+        </a:xfrm>
+      </p:grpSpPr>
+      <p:sp>
+        <p:nvSpPr>
+          <p:cNvPr id="2" name="Title 1"/>
+          <p:cNvSpPr>
+            <a:spLocks noGrp="1"/>
+          </p:cNvSpPr>
+          <p:nvPr>
+            <p:ph type="title"/>
+          </p:nvPr>
+        </p:nvSpPr>
+        <p:spPr/>
+        <p:txBody>
+          <a:bodyPr/>
+          <a:lstStyle/>
+          <a:p>
+            <a:r>
+              <a:rPr lang="en-US" dirty="0" smtClean="0">
+                <a:solidFill>
+                  <a:schemeClr val="bg1"/>
+                </a:solidFill>
+              </a:rPr>
+              <a:t>Free e-Book</a:t>
+            </a:r>
+            <a:endParaRPr lang="en-US" dirty="0">
+              <a:solidFill>
+                <a:schemeClr val="bg1"/>
+              </a:solidFill>
+            </a:endParaRPr>
+          </a:p>
+        </p:txBody>
+      </p:sp>
+      <p:pic>
+        <p:nvPicPr>
+          <p:cNvPr id="4" name="Picture 3"/>
+          <p:cNvPicPr>
+            <a:picLocks noChangeAspect="1"/>
+          </p:cNvPicPr>
+          <p:nvPr/>
+        </p:nvPicPr>
+        <p:blipFill>
+          <a:blip r:embed="rId4">
+            <a:extLst>
+              <a:ext uri="{28A0092B-C50C-407E-A947-70E740481C1C}">
+                <a14:useLocalDpi xmlns:a14="http://schemas.microsoft.com/office/drawing/2010/main" val="0"/>
+              </a:ext>
+            </a:extLst>
+          </a:blip>
+          <a:stretch>
+            <a:fillRect/>
+          </a:stretch>
+        </p:blipFill>
+        <p:spPr>
+          <a:xfrm>
+            <a:off x="4071119" y="951498"/>
+            <a:ext cx="4049762" cy="4955003"/>
+          </a:xfrm>
+          <a:prstGeom prst="rect">
+            <a:avLst/>
+          </a:prstGeom>
+          <a:ln>
+            <a:noFill/>
+          </a:ln>
+          <a:effectLst>
+            <a:outerShdw blurRad="292100" dist="139700" dir="2700000" algn="tl" rotWithShape="0">
+              <a:srgbClr val="333333">
+                <a:alpha val="65000"/>
+              </a:srgbClr>
+            </a:outerShdw>
+          </a:effectLst>
+        </p:spPr>
+      </p:pic>
+      <p:sp>
+        <p:nvSpPr>
+          <p:cNvPr id="5" name="Rectangle 4"/>
+          <p:cNvSpPr/>
+          <p:nvPr/>
+        </p:nvSpPr>
+        <p:spPr bwMode="auto">
+          <a:xfrm>
+            <a:off x="0" y="2609385"/>
+            <a:ext cx="12192000" cy="2062976"/>
+          </a:xfrm>
+          <a:prstGeom prst="rect">
+            <a:avLst/>
+          </a:prstGeom>
+          <a:solidFill>
+            <a:schemeClr val="tx1">
+              <a:alpha val="60000"/>
+            </a:schemeClr>
+          </a:solidFill>
+          <a:ln>
+            <a:noFill/>
+            <a:headEnd type="none" w="med" len="med"/>
+            <a:tailEnd type="none" w="med" len="med"/>
+          </a:ln>
+          <a:effectLst/>
+        </p:spPr>
+        <p:style>
+          <a:lnRef idx="1">
+            <a:schemeClr val="accent2"/>
+          </a:lnRef>
+          <a:fillRef idx="3">
+            <a:schemeClr val="accent2"/>
+          </a:fillRef>
+          <a:effectRef idx="2">
+            <a:schemeClr val="accent2"/>
+          </a:effectRef>
+          <a:fontRef idx="minor">
+            <a:schemeClr val="lt1"/>
+          </a:fontRef>
+        </p:style>
+        <p:txBody>
+          <a:bodyPr vert="horz" wrap="square" lIns="91436" tIns="45718" rIns="91436" bIns="45718" numCol="1" rtlCol="0" anchor="ctr" anchorCtr="0" compatLnSpc="1">
+            <a:prstTxWarp prst="textNoShape">
+              <a:avLst/>
+            </a:prstTxWarp>
+          </a:bodyPr>
+          <a:lstStyle/>
+          <a:p>
+            <a:pPr algn="ctr" defTabSz="914099" fontAlgn="base">
+              <a:spcBef>
+                <a:spcPct val="0"/>
+              </a:spcBef>
+              <a:spcAft>
+                <a:spcPct val="0"/>
+              </a:spcAft>
+            </a:pPr>
+            <a:endParaRPr lang="en-US" sz="2200" dirty="0" smtClean="0">
+              <a:gradFill>
+                <a:gsLst>
+                  <a:gs pos="0">
+                    <a:srgbClr val="FFFFFF"/>
+                  </a:gs>
+                  <a:gs pos="100000">
+                    <a:srgbClr val="FFFFFF"/>
+                  </a:gs>
+                </a:gsLst>
+                <a:lin ang="5400000" scaled="0"/>
+              </a:gradFill>
+            </a:endParaRPr>
+          </a:p>
+        </p:txBody>
+      </p:sp>
+      <p:sp>
+        <p:nvSpPr>
+          <p:cNvPr id="6" name="TextBox 5"/>
+          <p:cNvSpPr txBox="1"/>
+          <p:nvPr/>
+        </p:nvSpPr>
+        <p:spPr>
+          <a:xfrm>
+            <a:off x="0" y="3336174"/>
+            <a:ext cx="12192000" cy="609398"/>
+          </a:xfrm>
+          <a:prstGeom prst="rect">
+            <a:avLst/>
+          </a:prstGeom>
+          <a:noFill/>
+        </p:spPr>
+        <p:txBody>
+          <a:bodyPr wrap="square" lIns="0" tIns="0" rIns="0" bIns="0" rtlCol="0">
+            <a:spAutoFit/>
+          </a:bodyPr>
+          <a:lstStyle/>
+          <a:p>
+            <a:pPr algn="ctr">
+              <a:lnSpc>
+                <a:spcPct val="90000"/>
+              </a:lnSpc>
+              <a:spcBef>
+                <a:spcPct val="20000"/>
+              </a:spcBef>
+              <a:buSzPct val="80000"/>
+            </a:pPr>
+            <a:r>
+              <a:rPr lang="en-US" sz="4400" dirty="0">
+                <a:solidFill>
+                  <a:schemeClr val="bg1"/>
+                </a:solidFill>
+              </a:rPr>
+              <a:t>http://</a:t>
+            </a:r>
+            <a:r>
+              <a:rPr lang="en-US" sz="4400" dirty="0" smtClean="0">
+                <a:solidFill>
+                  <a:schemeClr val="bg1"/>
+                </a:solidFill>
+              </a:rPr>
+              <a:t>bit.ly/a4r-mlbook</a:t>
+            </a:r>
+            <a:endParaRPr lang="en-US" sz="4400" dirty="0">
+              <a:solidFill>
+                <a:schemeClr val="bg1"/>
+              </a:solidFill>
+            </a:endParaRPr>
+          </a:p>
+        </p:txBody>
+      </p:sp>
+    </p:spTree>
+    <p:extLst>
+      <p:ext uri="{BB962C8B-B14F-4D97-AF65-F5344CB8AC3E}">
+        <p14:creationId xmlns:p14="http://schemas.microsoft.com/office/powerpoint/2010/main" val="4074501784"/>
+      </p:ext>
+    </p:extLst>
+  </p:cSld>
+  <p:clrMapOvr>
+    <a:masterClrMapping/>
+  </p:clrMapOvr>
+  <p:transition>
+    <p:fade/>
+  </p:transition>
+  <p:timing>
+    <p:tnLst>
+      <p:par>
+        <p:cTn id="1" dur="indefinite" restart="never" nodeType="tmRoot"/>
+      </p:par>
+    </p:tnLst>
+  </p:timing>
+</p:sld>
+</file>
+
+<file path=ppt/slides/slide11.xml><?xml version="1.0" encoding="utf-8"?>
+<p:sld xmlns:a="http://schemas.openxmlformats.org/drawingml/2006/main" xmlns:r="http://schemas.openxmlformats.org/officeDocument/2006/relationships" xmlns:p="http://schemas.openxmlformats.org/presentationml/2006/main">
+  <p:cSld>
+    <p:spTree>
+      <p:nvGrpSpPr>
+        <p:cNvPr id="1" name=""/>
+        <p:cNvGrpSpPr/>
+        <p:nvPr/>
+      </p:nvGrpSpPr>
+      <p:grpSpPr>
+        <a:xfrm>
+          <a:off x="0" y="0"/>
+          <a:ext cx="0" cy="0"/>
+          <a:chOff x="0" y="0"/>
+          <a:chExt cx="0" cy="0"/>
+        </a:xfrm>
+      </p:grpSpPr>
+      <p:sp>
+        <p:nvSpPr>
+          <p:cNvPr id="2" name="Title 1"/>
+          <p:cNvSpPr>
+            <a:spLocks noGrp="1"/>
+          </p:cNvSpPr>
+          <p:nvPr>
+            <p:ph type="ctrTitle"/>
+          </p:nvPr>
+        </p:nvSpPr>
+        <p:spPr/>
+        <p:txBody>
+          <a:bodyPr/>
+          <a:lstStyle/>
+          <a:p>
+            <a:r>
+              <a:rPr lang="en-US" dirty="0" smtClean="0"/>
+              <a:t>Hands-On Lab</a:t>
+            </a:r>
+            <a:endParaRPr lang="en-US" dirty="0"/>
+          </a:p>
+        </p:txBody>
+      </p:sp>
+      <p:sp>
+        <p:nvSpPr>
+          <p:cNvPr id="3" name="Subtitle 2"/>
+          <p:cNvSpPr>
+            <a:spLocks noGrp="1"/>
+          </p:cNvSpPr>
+          <p:nvPr>
+            <p:ph type="subTitle" idx="1"/>
+          </p:nvPr>
+        </p:nvSpPr>
+        <p:spPr>
+          <a:xfrm>
+            <a:off x="1889618" y="5630475"/>
+            <a:ext cx="6476616" cy="461665"/>
+          </a:xfrm>
+        </p:spPr>
+        <p:txBody>
+          <a:bodyPr/>
+          <a:lstStyle/>
+          <a:p>
+            <a:r>
+              <a:rPr lang="en-US" dirty="0" smtClean="0"/>
+              <a:t>Azure Machine Learning HOL.html</a:t>
+            </a:r>
+            <a:endParaRPr lang="en-US" dirty="0"/>
+          </a:p>
+        </p:txBody>
+      </p:sp>
+      <p:sp>
+        <p:nvSpPr>
+          <p:cNvPr id="4" name="Text Placeholder 3"/>
+          <p:cNvSpPr>
+            <a:spLocks noGrp="1"/>
+          </p:cNvSpPr>
+          <p:nvPr>
+            <p:ph type="body" sz="quarter" idx="10"/>
+          </p:nvPr>
+        </p:nvSpPr>
+        <p:spPr/>
+        <p:txBody>
+          <a:bodyPr/>
+          <a:lstStyle/>
+          <a:p>
+            <a:r>
+              <a:rPr lang="en-US" dirty="0" smtClean="0"/>
+              <a:t>Using Azure Machine Learning</a:t>
+            </a:r>
+            <a:endParaRPr lang="en-US" dirty="0"/>
+          </a:p>
+        </p:txBody>
+      </p:sp>
+    </p:spTree>
+    <p:extLst>
+      <p:ext uri="{BB962C8B-B14F-4D97-AF65-F5344CB8AC3E}">
+        <p14:creationId xmlns:p14="http://schemas.microsoft.com/office/powerpoint/2010/main" val="805074498"/>
+      </p:ext>
+    </p:extLst>
+  </p:cSld>
+  <p:clrMapOvr>
+    <a:masterClrMapping/>
+  </p:clrMapOvr>
+  <p:transition>
+    <p:fade/>
+  </p:transition>
+  <p:timing>
+    <p:tnLst>
+      <p:par>
+        <p:cTn id="1" dur="indefinite" restart="never" nodeType="tmRoot"/>
+      </p:par>
+    </p:tnLst>
+  </p:timing>
+</p:sld>
+</file>
+
+<file path=ppt/slides/slide12.xml><?xml version="1.0" encoding="utf-8"?>
+<p:sld xmlns:a="http://schemas.openxmlformats.org/drawingml/2006/main" xmlns:r="http://schemas.openxmlformats.org/officeDocument/2006/relationships" xmlns:p="http://schemas.openxmlformats.org/presentationml/2006/main">
+  <p:cSld>
     <p:spTree>
       <p:nvGrpSpPr>
         <p:cNvPr id="1" name=""/>
@@ -12005,6 +12652,247 @@
 </file>
 
 <file path=ppt/slides/slide2.xml><?xml version="1.0" encoding="utf-8"?>
+<p:sld xmlns:a="http://schemas.openxmlformats.org/drawingml/2006/main" xmlns:r="http://schemas.openxmlformats.org/officeDocument/2006/relationships" xmlns:p="http://schemas.openxmlformats.org/presentationml/2006/main">
+  <p:cSld>
+    <p:spTree>
+      <p:nvGrpSpPr>
+        <p:cNvPr id="1" name=""/>
+        <p:cNvGrpSpPr/>
+        <p:nvPr/>
+      </p:nvGrpSpPr>
+      <p:grpSpPr>
+        <a:xfrm>
+          <a:off x="0" y="0"/>
+          <a:ext cx="0" cy="0"/>
+          <a:chOff x="0" y="0"/>
+          <a:chExt cx="0" cy="0"/>
+        </a:xfrm>
+      </p:grpSpPr>
+      <p:sp>
+        <p:nvSpPr>
+          <p:cNvPr id="2" name="Title 1"/>
+          <p:cNvSpPr>
+            <a:spLocks noGrp="1"/>
+          </p:cNvSpPr>
+          <p:nvPr>
+            <p:ph type="title"/>
+          </p:nvPr>
+        </p:nvSpPr>
+        <p:spPr/>
+        <p:txBody>
+          <a:bodyPr/>
+          <a:lstStyle/>
+          <a:p>
+            <a:r>
+              <a:rPr lang="en-US" dirty="0" smtClean="0"/>
+              <a:t>What is Machine Learning?</a:t>
+            </a:r>
+            <a:endParaRPr lang="en-US" dirty="0"/>
+          </a:p>
+        </p:txBody>
+      </p:sp>
+      <p:sp>
+        <p:nvSpPr>
+          <p:cNvPr id="3" name="Content Placeholder 2"/>
+          <p:cNvSpPr>
+            <a:spLocks noGrp="1"/>
+          </p:cNvSpPr>
+          <p:nvPr>
+            <p:ph idx="1"/>
+          </p:nvPr>
+        </p:nvSpPr>
+        <p:spPr>
+          <a:xfrm>
+            <a:off x="519248" y="1447800"/>
+            <a:ext cx="6008137" cy="4221540"/>
+          </a:xfrm>
+        </p:spPr>
+        <p:txBody>
+          <a:bodyPr/>
+          <a:lstStyle/>
+          <a:p>
+            <a:r>
+              <a:rPr lang="en-US" dirty="0" smtClean="0"/>
+              <a:t>Computer </a:t>
+            </a:r>
+            <a:r>
+              <a:rPr lang="en-US" dirty="0"/>
+              <a:t>"learns" from data in order to perform predictive analytics</a:t>
+            </a:r>
+          </a:p>
+          <a:p>
+            <a:pPr lvl="1"/>
+            <a:r>
+              <a:rPr lang="en-US" dirty="0"/>
+              <a:t>Credit-card fraud detection</a:t>
+            </a:r>
+          </a:p>
+          <a:p>
+            <a:pPr lvl="1"/>
+            <a:r>
+              <a:rPr lang="en-US" dirty="0"/>
+              <a:t>Online shopping recommendations</a:t>
+            </a:r>
+          </a:p>
+          <a:p>
+            <a:pPr lvl="1"/>
+            <a:r>
+              <a:rPr lang="en-US" dirty="0"/>
+              <a:t>Self-driving cars and more</a:t>
+            </a:r>
+          </a:p>
+          <a:p>
+            <a:r>
+              <a:rPr lang="en-US" dirty="0"/>
+              <a:t>Supervised learning</a:t>
+            </a:r>
+          </a:p>
+          <a:p>
+            <a:r>
+              <a:rPr lang="en-US" dirty="0" smtClean="0"/>
+              <a:t>Unsupervised learning</a:t>
+            </a:r>
+            <a:endParaRPr lang="en-US" dirty="0"/>
+          </a:p>
+        </p:txBody>
+      </p:sp>
+      <p:pic>
+        <p:nvPicPr>
+          <p:cNvPr id="4" name="Picture 3"/>
+          <p:cNvPicPr>
+            <a:picLocks noChangeAspect="1"/>
+          </p:cNvPicPr>
+          <p:nvPr/>
+        </p:nvPicPr>
+        <p:blipFill>
+          <a:blip r:embed="rId3">
+            <a:extLst>
+              <a:ext uri="{28A0092B-C50C-407E-A947-70E740481C1C}">
+                <a14:useLocalDpi xmlns:a14="http://schemas.microsoft.com/office/drawing/2010/main" val="0"/>
+              </a:ext>
+            </a:extLst>
+          </a:blip>
+          <a:stretch>
+            <a:fillRect/>
+          </a:stretch>
+        </p:blipFill>
+        <p:spPr>
+          <a:xfrm>
+            <a:off x="6527385" y="1825625"/>
+            <a:ext cx="5267088" cy="3719881"/>
+          </a:xfrm>
+          <a:prstGeom prst="rect">
+            <a:avLst/>
+          </a:prstGeom>
+        </p:spPr>
+      </p:pic>
+    </p:spTree>
+    <p:extLst>
+      <p:ext uri="{BB962C8B-B14F-4D97-AF65-F5344CB8AC3E}">
+        <p14:creationId xmlns:p14="http://schemas.microsoft.com/office/powerpoint/2010/main" val="813724403"/>
+      </p:ext>
+    </p:extLst>
+  </p:cSld>
+  <p:clrMapOvr>
+    <a:masterClrMapping/>
+  </p:clrMapOvr>
+  <p:transition>
+    <p:fade/>
+  </p:transition>
+</p:sld>
+</file>
+
+<file path=ppt/slides/slide3.xml><?xml version="1.0" encoding="utf-8"?>
+<p:sld xmlns:a="http://schemas.openxmlformats.org/drawingml/2006/main" xmlns:r="http://schemas.openxmlformats.org/officeDocument/2006/relationships" xmlns:p="http://schemas.openxmlformats.org/presentationml/2006/main">
+  <p:cSld>
+    <p:spTree>
+      <p:nvGrpSpPr>
+        <p:cNvPr id="1" name=""/>
+        <p:cNvGrpSpPr/>
+        <p:nvPr/>
+      </p:nvGrpSpPr>
+      <p:grpSpPr>
+        <a:xfrm>
+          <a:off x="0" y="0"/>
+          <a:ext cx="0" cy="0"/>
+          <a:chOff x="0" y="0"/>
+          <a:chExt cx="0" cy="0"/>
+        </a:xfrm>
+      </p:grpSpPr>
+      <p:sp>
+        <p:nvSpPr>
+          <p:cNvPr id="2" name="Title 1"/>
+          <p:cNvSpPr>
+            <a:spLocks noGrp="1"/>
+          </p:cNvSpPr>
+          <p:nvPr>
+            <p:ph type="title"/>
+          </p:nvPr>
+        </p:nvSpPr>
+        <p:spPr/>
+        <p:txBody>
+          <a:bodyPr/>
+          <a:lstStyle/>
+          <a:p>
+            <a:r>
+              <a:rPr lang="en-US" dirty="0" smtClean="0"/>
+              <a:t>Machine Learning in Action</a:t>
+            </a:r>
+            <a:endParaRPr lang="en-US" dirty="0"/>
+          </a:p>
+        </p:txBody>
+      </p:sp>
+      <p:pic>
+        <p:nvPicPr>
+          <p:cNvPr id="4" name="Picture 3"/>
+          <p:cNvPicPr>
+            <a:picLocks noChangeAspect="1"/>
+          </p:cNvPicPr>
+          <p:nvPr/>
+        </p:nvPicPr>
+        <p:blipFill>
+          <a:blip r:embed="rId3"/>
+          <a:stretch>
+            <a:fillRect/>
+          </a:stretch>
+        </p:blipFill>
+        <p:spPr>
+          <a:xfrm>
+            <a:off x="2721546" y="1411907"/>
+            <a:ext cx="6744676" cy="4508538"/>
+          </a:xfrm>
+          <a:prstGeom prst="rect">
+            <a:avLst/>
+          </a:prstGeom>
+          <a:ln>
+            <a:noFill/>
+          </a:ln>
+          <a:effectLst>
+            <a:outerShdw blurRad="292100" dist="139700" dir="2700000" algn="tl" rotWithShape="0">
+              <a:srgbClr val="333333">
+                <a:alpha val="65000"/>
+              </a:srgbClr>
+            </a:outerShdw>
+          </a:effectLst>
+        </p:spPr>
+      </p:pic>
+    </p:spTree>
+    <p:extLst>
+      <p:ext uri="{BB962C8B-B14F-4D97-AF65-F5344CB8AC3E}">
+        <p14:creationId xmlns:p14="http://schemas.microsoft.com/office/powerpoint/2010/main" val="1297122673"/>
+      </p:ext>
+    </p:extLst>
+  </p:cSld>
+  <p:clrMapOvr>
+    <a:masterClrMapping/>
+  </p:clrMapOvr>
+  <p:transition>
+    <p:fade/>
+  </p:transition>
+</p:sld>
+</file>
+
+<file path=ppt/slides/slide4.xml><?xml version="1.0" encoding="utf-8"?>
 <p:sld xmlns:a="http://schemas.openxmlformats.org/drawingml/2006/main" xmlns:r="http://schemas.openxmlformats.org/officeDocument/2006/relationships" xmlns:p="http://schemas.openxmlformats.org/presentationml/2006/main">
   <p:cSld>
     <p:spTree>
@@ -12181,7 +13069,7 @@
 </p:sld>
 </file>
 
-<file path=ppt/slides/slide3.xml><?xml version="1.0" encoding="utf-8"?>
+<file path=ppt/slides/slide5.xml><?xml version="1.0" encoding="utf-8"?>
 <p:sld xmlns:a="http://schemas.openxmlformats.org/drawingml/2006/main" xmlns:r="http://schemas.openxmlformats.org/officeDocument/2006/relationships" xmlns:p="http://schemas.openxmlformats.org/presentationml/2006/main">
   <p:cSld>
     <p:spTree>
@@ -12332,7 +13220,7 @@
 </p:sld>
 </file>
 
-<file path=ppt/slides/slide4.xml><?xml version="1.0" encoding="utf-8"?>
+<file path=ppt/slides/slide6.xml><?xml version="1.0" encoding="utf-8"?>
 <p:sld xmlns:a="http://schemas.openxmlformats.org/drawingml/2006/main" xmlns:r="http://schemas.openxmlformats.org/officeDocument/2006/relationships" xmlns:p="http://schemas.openxmlformats.org/presentationml/2006/main">
   <p:cSld>
     <p:spTree>
@@ -12791,7 +13679,7 @@
 </p:sld>
 </file>
 
-<file path=ppt/slides/slide5.xml><?xml version="1.0" encoding="utf-8"?>
+<file path=ppt/slides/slide7.xml><?xml version="1.0" encoding="utf-8"?>
 <p:sld xmlns:a="http://schemas.openxmlformats.org/drawingml/2006/main" xmlns:r="http://schemas.openxmlformats.org/officeDocument/2006/relationships" xmlns:p="http://schemas.openxmlformats.org/presentationml/2006/main">
   <p:cSld>
     <p:spTree>
@@ -12953,7 +13841,7 @@
 </p:sld>
 </file>
 
-<file path=ppt/slides/slide6.xml><?xml version="1.0" encoding="utf-8"?>
+<file path=ppt/slides/slide8.xml><?xml version="1.0" encoding="utf-8"?>
 <p:sld xmlns:a="http://schemas.openxmlformats.org/drawingml/2006/main" xmlns:r="http://schemas.openxmlformats.org/officeDocument/2006/relationships" xmlns:p="http://schemas.openxmlformats.org/presentationml/2006/main">
   <p:cSld>
     <p:spTree>
@@ -13150,7 +14038,7 @@
 </p:sld>
 </file>
 
-<file path=ppt/slides/slide7.xml><?xml version="1.0" encoding="utf-8"?>
+<file path=ppt/slides/slide9.xml><?xml version="1.0" encoding="utf-8"?>
 <p:sld xmlns:a="http://schemas.openxmlformats.org/drawingml/2006/main" xmlns:r="http://schemas.openxmlformats.org/officeDocument/2006/relationships" xmlns:p="http://schemas.openxmlformats.org/presentationml/2006/main">
   <p:cSld>
     <p:spTree>
@@ -13236,373 +14124,6 @@
     <p:extLst>
       <p:ext uri="{BB962C8B-B14F-4D97-AF65-F5344CB8AC3E}">
         <p14:creationId xmlns:p14="http://schemas.microsoft.com/office/powerpoint/2010/main" val="857841679"/>
-      </p:ext>
-    </p:extLst>
-  </p:cSld>
-  <p:clrMapOvr>
-    <a:masterClrMapping/>
-  </p:clrMapOvr>
-  <p:transition>
-    <p:fade/>
-  </p:transition>
-  <p:timing>
-    <p:tnLst>
-      <p:par>
-        <p:cTn id="1" dur="indefinite" restart="never" nodeType="tmRoot"/>
-      </p:par>
-    </p:tnLst>
-  </p:timing>
-</p:sld>
-</file>
-
-<file path=ppt/slides/slide8.xml><?xml version="1.0" encoding="utf-8"?>
-<p:sld xmlns:a="http://schemas.openxmlformats.org/drawingml/2006/main" xmlns:r="http://schemas.openxmlformats.org/officeDocument/2006/relationships" xmlns:p="http://schemas.openxmlformats.org/presentationml/2006/main">
-  <p:cSld>
-    <p:bg>
-      <p:bgPr>
-        <a:blipFill dpi="0" rotWithShape="1">
-          <a:blip r:embed="rId3">
-            <a:alphaModFix amt="50000"/>
-            <a:lum/>
-          </a:blip>
-          <a:srcRect/>
-          <a:stretch>
-            <a:fillRect t="-18000" b="-18000"/>
-          </a:stretch>
-        </a:blipFill>
-        <a:effectLst/>
-      </p:bgPr>
-    </p:bg>
-    <p:spTree>
-      <p:nvGrpSpPr>
-        <p:cNvPr id="1" name=""/>
-        <p:cNvGrpSpPr/>
-        <p:nvPr/>
-      </p:nvGrpSpPr>
-      <p:grpSpPr>
-        <a:xfrm>
-          <a:off x="0" y="0"/>
-          <a:ext cx="0" cy="0"/>
-          <a:chOff x="0" y="0"/>
-          <a:chExt cx="0" cy="0"/>
-        </a:xfrm>
-      </p:grpSpPr>
-      <p:sp>
-        <p:nvSpPr>
-          <p:cNvPr id="2" name="Title 1"/>
-          <p:cNvSpPr>
-            <a:spLocks noGrp="1"/>
-          </p:cNvSpPr>
-          <p:nvPr>
-            <p:ph type="title"/>
-          </p:nvPr>
-        </p:nvSpPr>
-        <p:spPr/>
-        <p:txBody>
-          <a:bodyPr/>
-          <a:lstStyle/>
-          <a:p>
-            <a:r>
-              <a:rPr lang="en-US" dirty="0" smtClean="0">
-                <a:solidFill>
-                  <a:schemeClr val="bg1"/>
-                </a:solidFill>
-              </a:rPr>
-              <a:t>Free e-Book</a:t>
-            </a:r>
-            <a:endParaRPr lang="en-US" dirty="0">
-              <a:solidFill>
-                <a:schemeClr val="bg1"/>
-              </a:solidFill>
-            </a:endParaRPr>
-          </a:p>
-        </p:txBody>
-      </p:sp>
-      <p:pic>
-        <p:nvPicPr>
-          <p:cNvPr id="4" name="Picture 3"/>
-          <p:cNvPicPr>
-            <a:picLocks noChangeAspect="1"/>
-          </p:cNvPicPr>
-          <p:nvPr/>
-        </p:nvPicPr>
-        <p:blipFill>
-          <a:blip r:embed="rId4">
-            <a:extLst>
-              <a:ext uri="{28A0092B-C50C-407E-A947-70E740481C1C}">
-                <a14:useLocalDpi xmlns:a14="http://schemas.microsoft.com/office/drawing/2010/main" val="0"/>
-              </a:ext>
-            </a:extLst>
-          </a:blip>
-          <a:stretch>
-            <a:fillRect/>
-          </a:stretch>
-        </p:blipFill>
-        <p:spPr>
-          <a:xfrm>
-            <a:off x="4071119" y="951498"/>
-            <a:ext cx="4049762" cy="4955003"/>
-          </a:xfrm>
-          <a:prstGeom prst="rect">
-            <a:avLst/>
-          </a:prstGeom>
-          <a:ln>
-            <a:noFill/>
-          </a:ln>
-          <a:effectLst>
-            <a:outerShdw blurRad="292100" dist="139700" dir="2700000" algn="tl" rotWithShape="0">
-              <a:srgbClr val="333333">
-                <a:alpha val="65000"/>
-              </a:srgbClr>
-            </a:outerShdw>
-          </a:effectLst>
-        </p:spPr>
-      </p:pic>
-      <p:sp>
-        <p:nvSpPr>
-          <p:cNvPr id="5" name="Rectangle 4"/>
-          <p:cNvSpPr/>
-          <p:nvPr/>
-        </p:nvSpPr>
-        <p:spPr bwMode="auto">
-          <a:xfrm>
-            <a:off x="0" y="2609385"/>
-            <a:ext cx="12192000" cy="2062976"/>
-          </a:xfrm>
-          <a:prstGeom prst="rect">
-            <a:avLst/>
-          </a:prstGeom>
-          <a:solidFill>
-            <a:schemeClr val="tx1">
-              <a:alpha val="60000"/>
-            </a:schemeClr>
-          </a:solidFill>
-          <a:ln>
-            <a:noFill/>
-            <a:headEnd type="none" w="med" len="med"/>
-            <a:tailEnd type="none" w="med" len="med"/>
-          </a:ln>
-          <a:effectLst/>
-        </p:spPr>
-        <p:style>
-          <a:lnRef idx="1">
-            <a:schemeClr val="accent2"/>
-          </a:lnRef>
-          <a:fillRef idx="3">
-            <a:schemeClr val="accent2"/>
-          </a:fillRef>
-          <a:effectRef idx="2">
-            <a:schemeClr val="accent2"/>
-          </a:effectRef>
-          <a:fontRef idx="minor">
-            <a:schemeClr val="lt1"/>
-          </a:fontRef>
-        </p:style>
-        <p:txBody>
-          <a:bodyPr vert="horz" wrap="square" lIns="91436" tIns="45718" rIns="91436" bIns="45718" numCol="1" rtlCol="0" anchor="ctr" anchorCtr="0" compatLnSpc="1">
-            <a:prstTxWarp prst="textNoShape">
-              <a:avLst/>
-            </a:prstTxWarp>
-          </a:bodyPr>
-          <a:lstStyle/>
-          <a:p>
-            <a:pPr algn="ctr" defTabSz="914099" fontAlgn="base">
-              <a:spcBef>
-                <a:spcPct val="0"/>
-              </a:spcBef>
-              <a:spcAft>
-                <a:spcPct val="0"/>
-              </a:spcAft>
-            </a:pPr>
-            <a:endParaRPr lang="en-US" sz="2200" dirty="0" smtClean="0">
-              <a:gradFill>
-                <a:gsLst>
-                  <a:gs pos="0">
-                    <a:srgbClr val="FFFFFF"/>
-                  </a:gs>
-                  <a:gs pos="100000">
-                    <a:srgbClr val="FFFFFF"/>
-                  </a:gs>
-                </a:gsLst>
-                <a:lin ang="5400000" scaled="0"/>
-              </a:gradFill>
-            </a:endParaRPr>
-          </a:p>
-        </p:txBody>
-      </p:sp>
-      <p:sp>
-        <p:nvSpPr>
-          <p:cNvPr id="6" name="TextBox 5"/>
-          <p:cNvSpPr txBox="1"/>
-          <p:nvPr/>
-        </p:nvSpPr>
-        <p:spPr>
-          <a:xfrm>
-            <a:off x="0" y="3336174"/>
-            <a:ext cx="12192000" cy="609398"/>
-          </a:xfrm>
-          <a:prstGeom prst="rect">
-            <a:avLst/>
-          </a:prstGeom>
-          <a:noFill/>
-        </p:spPr>
-        <p:txBody>
-          <a:bodyPr wrap="square" lIns="0" tIns="0" rIns="0" bIns="0" rtlCol="0">
-            <a:spAutoFit/>
-          </a:bodyPr>
-          <a:lstStyle/>
-          <a:p>
-            <a:pPr algn="ctr">
-              <a:lnSpc>
-                <a:spcPct val="90000"/>
-              </a:lnSpc>
-              <a:spcBef>
-                <a:spcPct val="20000"/>
-              </a:spcBef>
-              <a:buSzPct val="80000"/>
-            </a:pPr>
-            <a:r>
-              <a:rPr lang="en-US" sz="4400" dirty="0">
-                <a:solidFill>
-                  <a:schemeClr val="bg1"/>
-                </a:solidFill>
-              </a:rPr>
-              <a:t>http://</a:t>
-            </a:r>
-            <a:r>
-              <a:rPr lang="en-US" sz="4400" dirty="0" smtClean="0">
-                <a:solidFill>
-                  <a:schemeClr val="bg1"/>
-                </a:solidFill>
-              </a:rPr>
-              <a:t>bit.ly/a4r-mlbook</a:t>
-            </a:r>
-            <a:endParaRPr lang="en-US" sz="4400" dirty="0">
-              <a:solidFill>
-                <a:schemeClr val="bg1"/>
-              </a:solidFill>
-            </a:endParaRPr>
-          </a:p>
-        </p:txBody>
-      </p:sp>
-    </p:spTree>
-    <p:extLst>
-      <p:ext uri="{BB962C8B-B14F-4D97-AF65-F5344CB8AC3E}">
-        <p14:creationId xmlns:p14="http://schemas.microsoft.com/office/powerpoint/2010/main" val="4074501784"/>
-      </p:ext>
-    </p:extLst>
-  </p:cSld>
-  <p:clrMapOvr>
-    <a:masterClrMapping/>
-  </p:clrMapOvr>
-  <p:transition>
-    <p:fade/>
-  </p:transition>
-  <p:timing>
-    <p:tnLst>
-      <p:par>
-        <p:cTn id="1" dur="indefinite" restart="never" nodeType="tmRoot"/>
-      </p:par>
-    </p:tnLst>
-  </p:timing>
-</p:sld>
-</file>
-
-<file path=ppt/slides/slide9.xml><?xml version="1.0" encoding="utf-8"?>
-<p:sld xmlns:a="http://schemas.openxmlformats.org/drawingml/2006/main" xmlns:r="http://schemas.openxmlformats.org/officeDocument/2006/relationships" xmlns:p="http://schemas.openxmlformats.org/presentationml/2006/main">
-  <p:cSld>
-    <p:spTree>
-      <p:nvGrpSpPr>
-        <p:cNvPr id="1" name=""/>
-        <p:cNvGrpSpPr/>
-        <p:nvPr/>
-      </p:nvGrpSpPr>
-      <p:grpSpPr>
-        <a:xfrm>
-          <a:off x="0" y="0"/>
-          <a:ext cx="0" cy="0"/>
-          <a:chOff x="0" y="0"/>
-          <a:chExt cx="0" cy="0"/>
-        </a:xfrm>
-      </p:grpSpPr>
-      <p:sp>
-        <p:nvSpPr>
-          <p:cNvPr id="2" name="Title 1"/>
-          <p:cNvSpPr>
-            <a:spLocks noGrp="1"/>
-          </p:cNvSpPr>
-          <p:nvPr>
-            <p:ph type="ctrTitle"/>
-          </p:nvPr>
-        </p:nvSpPr>
-        <p:spPr/>
-        <p:txBody>
-          <a:bodyPr/>
-          <a:lstStyle/>
-          <a:p>
-            <a:r>
-              <a:rPr lang="en-US" dirty="0" smtClean="0"/>
-              <a:t>Hands-On Lab</a:t>
-            </a:r>
-            <a:endParaRPr lang="en-US" dirty="0"/>
-          </a:p>
-        </p:txBody>
-      </p:sp>
-      <p:sp>
-        <p:nvSpPr>
-          <p:cNvPr id="3" name="Subtitle 2"/>
-          <p:cNvSpPr>
-            <a:spLocks noGrp="1"/>
-          </p:cNvSpPr>
-          <p:nvPr>
-            <p:ph type="subTitle" idx="1"/>
-          </p:nvPr>
-        </p:nvSpPr>
-        <p:spPr>
-          <a:xfrm>
-            <a:off x="1889618" y="5630475"/>
-            <a:ext cx="6476616" cy="461665"/>
-          </a:xfrm>
-        </p:spPr>
-        <p:txBody>
-          <a:bodyPr/>
-          <a:lstStyle/>
-          <a:p>
-            <a:r>
-              <a:rPr lang="en-US" dirty="0" smtClean="0"/>
-              <a:t>Azure Machine Learning HOL.html</a:t>
-            </a:r>
-            <a:endParaRPr lang="en-US" dirty="0"/>
-          </a:p>
-        </p:txBody>
-      </p:sp>
-      <p:sp>
-        <p:nvSpPr>
-          <p:cNvPr id="4" name="Text Placeholder 3"/>
-          <p:cNvSpPr>
-            <a:spLocks noGrp="1"/>
-          </p:cNvSpPr>
-          <p:nvPr>
-            <p:ph type="body" sz="quarter" idx="10"/>
-          </p:nvPr>
-        </p:nvSpPr>
-        <p:spPr/>
-        <p:txBody>
-          <a:bodyPr/>
-          <a:lstStyle/>
-          <a:p>
-            <a:r>
-              <a:rPr lang="en-US" dirty="0" smtClean="0"/>
-              <a:t>Using Azure Machine Learning</a:t>
-            </a:r>
-            <a:endParaRPr lang="en-US" dirty="0"/>
-          </a:p>
-        </p:txBody>
-      </p:sp>
-    </p:spTree>
-    <p:extLst>
-      <p:ext uri="{BB962C8B-B14F-4D97-AF65-F5344CB8AC3E}">
-        <p14:creationId xmlns:p14="http://schemas.microsoft.com/office/powerpoint/2010/main" val="805074498"/>
       </p:ext>
     </p:extLst>
   </p:cSld>

--- a/Content/Machine Learning/Azure Machine Learning.pptx
+++ b/Content/Machine Learning/Azure Machine Learning.pptx
@@ -5,21 +5,23 @@
     <p:sldMasterId id="2147483680" r:id="rId1"/>
   </p:sldMasterIdLst>
   <p:notesMasterIdLst>
-    <p:notesMasterId r:id="rId14"/>
+    <p:notesMasterId r:id="rId16"/>
   </p:notesMasterIdLst>
   <p:sldIdLst>
     <p:sldId id="256" r:id="rId2"/>
     <p:sldId id="278" r:id="rId3"/>
     <p:sldId id="279" r:id="rId4"/>
-    <p:sldId id="268" r:id="rId5"/>
-    <p:sldId id="275" r:id="rId6"/>
-    <p:sldId id="260" r:id="rId7"/>
-    <p:sldId id="262" r:id="rId8"/>
-    <p:sldId id="274" r:id="rId9"/>
-    <p:sldId id="269" r:id="rId10"/>
-    <p:sldId id="277" r:id="rId11"/>
-    <p:sldId id="266" r:id="rId12"/>
-    <p:sldId id="267" r:id="rId13"/>
+    <p:sldId id="260" r:id="rId5"/>
+    <p:sldId id="280" r:id="rId6"/>
+    <p:sldId id="275" r:id="rId7"/>
+    <p:sldId id="281" r:id="rId8"/>
+    <p:sldId id="262" r:id="rId9"/>
+    <p:sldId id="274" r:id="rId10"/>
+    <p:sldId id="269" r:id="rId11"/>
+    <p:sldId id="283" r:id="rId12"/>
+    <p:sldId id="277" r:id="rId13"/>
+    <p:sldId id="266" r:id="rId14"/>
+    <p:sldId id="267" r:id="rId15"/>
   </p:sldIdLst>
   <p:sldSz cx="12192000" cy="6858000"/>
   <p:notesSz cx="6858000" cy="9144000"/>
@@ -208,7 +210,7 @@
           <a:p>
             <a:fld id="{2E5CA586-3557-4985-BCD4-35EF5AC8B4A4}" type="datetimeFigureOut">
               <a:rPr lang="en-US" smtClean="0"/>
-              <a:t>8/29/2016</a:t>
+              <a:t>10/10/2016</a:t>
             </a:fld>
             <a:endParaRPr lang="en-US"/>
           </a:p>
@@ -798,7 +800,7 @@
           <a:bodyPr/>
           <a:lstStyle/>
           <a:p>
-            <a:pPr marL="0" marR="0" indent="0" algn="l" defTabSz="914400" rtl="0" eaLnBrk="1" fontAlgn="auto" latinLnBrk="0" hangingPunct="1">
+            <a:pPr marL="0" marR="0" lvl="0" indent="0" algn="l" defTabSz="914400" rtl="0" eaLnBrk="1" fontAlgn="auto" latinLnBrk="0" hangingPunct="1">
               <a:lnSpc>
                 <a:spcPct val="100000"/>
               </a:lnSpc>
@@ -816,28 +818,7 @@
               <a:defRPr/>
             </a:pPr>
             <a:r>
-              <a:rPr lang="en-US" dirty="0" smtClean="0"/>
-              <a:t>Machine Learning finds patterns in large volumes of data and uses those patterns to perform predictive analysis. Microsoft offers</a:t>
-            </a:r>
-            <a:r>
-              <a:rPr lang="en-US" baseline="0" dirty="0" smtClean="0"/>
-              <a:t> Azure Machine Learning, while Amazon offers Amazon Machine learning and Google offers the Google Prediction API. Software products such as MATLAB support traditional, non-cloud-based ML modeling. To show a great example of ML at work, demo </a:t>
-            </a:r>
-            <a:r>
-              <a:rPr lang="en-US" sz="1200" u="sng" kern="1200" dirty="0" smtClean="0">
-                <a:solidFill>
-                  <a:schemeClr val="tx1"/>
-                </a:solidFill>
-                <a:effectLst/>
-                <a:latin typeface="+mn-lt"/>
-                <a:ea typeface="+mn-ea"/>
-                <a:cs typeface="+mn-cs"/>
-                <a:hlinkClick r:id="rId3"/>
-              </a:rPr>
-              <a:t>https://how-old.net/#</a:t>
-            </a:r>
-            <a:r>
-              <a:rPr lang="en-US" sz="1200" u="none" kern="1200" dirty="0" smtClean="0">
+              <a:rPr lang="en-US" sz="1200" kern="1200" dirty="0" smtClean="0">
                 <a:solidFill>
                   <a:schemeClr val="tx1"/>
                 </a:solidFill>
@@ -846,9 +827,60 @@
                 <a:ea typeface="+mn-ea"/>
                 <a:cs typeface="+mn-cs"/>
               </a:rPr>
+              <a:t>Azure Machine Learning</a:t>
+            </a:r>
+            <a:r>
+              <a:rPr lang="en-US" dirty="0" smtClean="0"/>
+              <a:t> is a cloud-based predictive-analytics service that offers a streamlined experience for data scientists of all skill levels. It's accompanied by the Azure Machine Learning Studio (ML Studio), which is a browser-based tool that provides an easy to use, drag-and-drop interface for building machine-learning models. It comes with a library of time-saving experiments and features best-in-class algorithms developed and tested in the real world by Microsoft businesses such as Bing. And its built-in support for </a:t>
+            </a:r>
+            <a:r>
+              <a:rPr lang="en-US" sz="1200" kern="1200" dirty="0" smtClean="0">
+                <a:solidFill>
+                  <a:schemeClr val="tx1"/>
+                </a:solidFill>
+                <a:effectLst/>
+                <a:latin typeface="+mn-lt"/>
+                <a:ea typeface="+mn-ea"/>
+                <a:cs typeface="+mn-cs"/>
+              </a:rPr>
+              <a:t>R</a:t>
+            </a:r>
+            <a:r>
+              <a:rPr lang="en-US" dirty="0" smtClean="0"/>
+              <a:t> and </a:t>
+            </a:r>
+            <a:r>
+              <a:rPr lang="en-US" sz="1200" kern="1200" dirty="0" smtClean="0">
+                <a:solidFill>
+                  <a:schemeClr val="tx1"/>
+                </a:solidFill>
+                <a:effectLst/>
+                <a:latin typeface="+mn-lt"/>
+                <a:ea typeface="+mn-ea"/>
+                <a:cs typeface="+mn-cs"/>
+              </a:rPr>
+              <a:t>Python</a:t>
+            </a:r>
+            <a:r>
+              <a:rPr lang="en-US" dirty="0" smtClean="0"/>
+              <a:t> means you can build custom scripts  to customize your model. Once you've built and trained your model in the ML Studio, you can easily expose it as a Web service that is consumable from a variety of programming languages, or share it with the community by placing it in the </a:t>
+            </a:r>
+            <a:r>
+              <a:rPr lang="en-US" sz="1200" kern="1200" dirty="0" smtClean="0">
+                <a:solidFill>
+                  <a:schemeClr val="tx1"/>
+                </a:solidFill>
+                <a:effectLst/>
+                <a:latin typeface="+mn-lt"/>
+                <a:ea typeface="+mn-ea"/>
+                <a:cs typeface="+mn-cs"/>
+              </a:rPr>
+              <a:t>Cortana Intelligence Gallery</a:t>
+            </a:r>
+            <a:r>
+              <a:rPr lang="en-US" dirty="0" smtClean="0"/>
               <a:t>.</a:t>
             </a:r>
-            <a:endParaRPr lang="en-US" dirty="0" smtClean="0"/>
           </a:p>
         </p:txBody>
       </p:sp>
@@ -869,7 +901,7 @@
           <a:p>
             <a:fld id="{BC60BE34-BC89-4C98-A56B-79B7A098D024}" type="slidenum">
               <a:rPr lang="en-US" smtClean="0"/>
-              <a:t>4</a:t>
+              <a:t>5</a:t>
             </a:fld>
             <a:endParaRPr lang="en-US"/>
           </a:p>
@@ -878,7 +910,7 @@
     </p:spTree>
     <p:extLst>
       <p:ext uri="{BB962C8B-B14F-4D97-AF65-F5344CB8AC3E}">
-        <p14:creationId xmlns:p14="http://schemas.microsoft.com/office/powerpoint/2010/main" val="3556776046"/>
+        <p14:creationId xmlns:p14="http://schemas.microsoft.com/office/powerpoint/2010/main" val="4050566681"/>
       </p:ext>
     </p:extLst>
   </p:cSld>
@@ -979,7 +1011,7 @@
           <a:p>
             <a:fld id="{BC60BE34-BC89-4C98-A56B-79B7A098D024}" type="slidenum">
               <a:rPr lang="en-US" smtClean="0"/>
-              <a:t>5</a:t>
+              <a:t>6</a:t>
             </a:fld>
             <a:endParaRPr lang="en-US"/>
           </a:p>
@@ -1043,119 +1075,13 @@
           <a:lstStyle/>
           <a:p>
             <a:r>
-              <a:rPr lang="en-US" sz="1200" kern="1200" dirty="0" smtClean="0">
-                <a:solidFill>
-                  <a:schemeClr val="tx1"/>
-                </a:solidFill>
-                <a:effectLst/>
-                <a:latin typeface="+mn-lt"/>
-                <a:ea typeface="+mn-ea"/>
-                <a:cs typeface="+mn-cs"/>
-              </a:rPr>
-              <a:t>Anomaly detection is the identification of items, events, or observations which do not conform to an expected pattern or other items in a dataset. A classic example is examining a dataset representing banking transactions and detecting potentially fraudulent transactions in that group.</a:t>
-            </a:r>
-          </a:p>
-          <a:p>
-            <a:endParaRPr lang="en-US" sz="1200" kern="1200" dirty="0" smtClean="0">
-              <a:solidFill>
-                <a:schemeClr val="tx1"/>
-              </a:solidFill>
-              <a:effectLst/>
-              <a:latin typeface="+mn-lt"/>
-              <a:ea typeface="+mn-ea"/>
-              <a:cs typeface="+mn-cs"/>
-            </a:endParaRPr>
-          </a:p>
-          <a:p>
-            <a:r>
-              <a:rPr lang="en-US" sz="1200" kern="1200" dirty="0" smtClean="0">
-                <a:solidFill>
-                  <a:schemeClr val="tx1"/>
-                </a:solidFill>
-                <a:effectLst/>
-                <a:latin typeface="+mn-lt"/>
-                <a:ea typeface="+mn-ea"/>
-                <a:cs typeface="+mn-cs"/>
-              </a:rPr>
-              <a:t>Regression algorithms seek to establish and quantify relationships between variables. By establishing a relationship between a dependent variable and one or more independent variables, regression analysis can enable the value of a dependent variable to be predicted given a set of inputs with a quantifiable accuracy. A great example can be seen at </a:t>
-            </a:r>
-            <a:r>
-              <a:rPr lang="en-US" sz="1200" u="sng" kern="1200" dirty="0" smtClean="0">
-                <a:solidFill>
-                  <a:schemeClr val="tx1"/>
-                </a:solidFill>
-                <a:effectLst/>
-                <a:latin typeface="+mn-lt"/>
-                <a:ea typeface="+mn-ea"/>
-                <a:cs typeface="+mn-cs"/>
-                <a:hlinkClick r:id="rId3"/>
-              </a:rPr>
-              <a:t>https://how-old.net/#</a:t>
-            </a:r>
-            <a:r>
-              <a:rPr lang="en-US" sz="1200" kern="1200" dirty="0" smtClean="0">
-                <a:solidFill>
-                  <a:schemeClr val="tx1"/>
-                </a:solidFill>
-                <a:effectLst/>
-                <a:latin typeface="+mn-lt"/>
-                <a:ea typeface="+mn-ea"/>
-                <a:cs typeface="+mn-cs"/>
-              </a:rPr>
-              <a:t>, a site that lets you upload a photo and then guesses your age with uncanny accuracy. The site uses Azure Machine Learning and combines classic regression with advanced image recognition.</a:t>
-            </a:r>
-          </a:p>
-          <a:p>
-            <a:endParaRPr lang="en-US" sz="1200" kern="1200" dirty="0" smtClean="0">
-              <a:solidFill>
-                <a:schemeClr val="tx1"/>
-              </a:solidFill>
-              <a:effectLst/>
-              <a:latin typeface="+mn-lt"/>
-              <a:ea typeface="+mn-ea"/>
-              <a:cs typeface="+mn-cs"/>
-            </a:endParaRPr>
-          </a:p>
-          <a:p>
-            <a:r>
-              <a:rPr lang="en-US" sz="1200" kern="1200" dirty="0" smtClean="0">
-                <a:solidFill>
-                  <a:schemeClr val="tx1"/>
-                </a:solidFill>
-                <a:effectLst/>
-                <a:latin typeface="+mn-lt"/>
-                <a:ea typeface="+mn-ea"/>
-                <a:cs typeface="+mn-cs"/>
-              </a:rPr>
-              <a:t>The purpose of classification algorithms is to identify the category to which an observation belongs based on training data consisting of observations which have already been classified (assigned to a category). A great example is determining whether an e-mail belongs to the "spam" category or the "not-spam" category.</a:t>
-            </a:r>
-          </a:p>
-          <a:p>
-            <a:endParaRPr lang="en-US" sz="1200" kern="1200" dirty="0" smtClean="0">
-              <a:solidFill>
-                <a:schemeClr val="tx1"/>
-              </a:solidFill>
-              <a:effectLst/>
-              <a:latin typeface="+mn-lt"/>
-              <a:ea typeface="+mn-ea"/>
-              <a:cs typeface="+mn-cs"/>
-            </a:endParaRPr>
-          </a:p>
-          <a:p>
-            <a:r>
-              <a:rPr lang="en-US" sz="1200" kern="1200" dirty="0" smtClean="0">
-                <a:solidFill>
-                  <a:schemeClr val="tx1"/>
-                </a:solidFill>
-                <a:effectLst/>
-                <a:latin typeface="+mn-lt"/>
-                <a:ea typeface="+mn-ea"/>
-                <a:cs typeface="+mn-cs"/>
-              </a:rPr>
-              <a:t>Clustering seeks to group a set of objects in such a way that objects in the same group (called a cluster) are more similar to each other than to those in other groups (clusters). </a:t>
-            </a:r>
-          </a:p>
-          <a:p>
+              <a:rPr lang="en-US" dirty="0" smtClean="0"/>
+              <a:t>ML Studio simplifies machine learning by providing a drag-and-drop model in</a:t>
+            </a:r>
+            <a:r>
+              <a:rPr lang="en-US" baseline="0" dirty="0" smtClean="0"/>
+              <a:t> which you build workflow. With ML Studio and the rich of assortment of modules it offers for modeling workflow, you can often build sophisticated models without writing a single line of code. However, it allows you to insert R and Python code anywhere in the workflow, providing infinite flexibility in what you can model.</a:t>
+            </a:r>
             <a:endParaRPr lang="en-US" dirty="0"/>
           </a:p>
         </p:txBody>
@@ -1177,7 +1103,7 @@
           <a:p>
             <a:fld id="{BC60BE34-BC89-4C98-A56B-79B7A098D024}" type="slidenum">
               <a:rPr lang="en-US" smtClean="0"/>
-              <a:t>8</a:t>
+              <a:t>7</a:t>
             </a:fld>
             <a:endParaRPr lang="en-US"/>
           </a:p>
@@ -1186,7 +1112,7 @@
     </p:spTree>
     <p:extLst>
       <p:ext uri="{BB962C8B-B14F-4D97-AF65-F5344CB8AC3E}">
-        <p14:creationId xmlns:p14="http://schemas.microsoft.com/office/powerpoint/2010/main" val="3603783424"/>
+        <p14:creationId xmlns:p14="http://schemas.microsoft.com/office/powerpoint/2010/main" val="1173529427"/>
       </p:ext>
     </p:extLst>
   </p:cSld>
@@ -1241,13 +1167,119 @@
           <a:lstStyle/>
           <a:p>
             <a:r>
-              <a:rPr lang="en-US" dirty="0" smtClean="0"/>
-              <a:t>One example here is if you want to use a set of input values to predict</a:t>
-            </a:r>
-            <a:r>
-              <a:rPr lang="en-US" baseline="0" dirty="0" smtClean="0"/>
-              <a:t> an output value, use linear regression. But if you're more interested in the distribution of the output use fast forest quantile regression instead. An example of when you would use the latter is using growth charts to assess child development. "Abby's height is in the 10% quantile of the heights of kids her age."</a:t>
-            </a:r>
+              <a:rPr lang="en-US" sz="1200" kern="1200" dirty="0" smtClean="0">
+                <a:solidFill>
+                  <a:schemeClr val="tx1"/>
+                </a:solidFill>
+                <a:effectLst/>
+                <a:latin typeface="+mn-lt"/>
+                <a:ea typeface="+mn-ea"/>
+                <a:cs typeface="+mn-cs"/>
+              </a:rPr>
+              <a:t>Anomaly detection is the identification of items, events, or observations which do not conform to an expected pattern or other items in a dataset. A classic example is examining a dataset representing banking transactions and detecting potentially fraudulent transactions in that group.</a:t>
+            </a:r>
+          </a:p>
+          <a:p>
+            <a:endParaRPr lang="en-US" sz="1200" kern="1200" dirty="0" smtClean="0">
+              <a:solidFill>
+                <a:schemeClr val="tx1"/>
+              </a:solidFill>
+              <a:effectLst/>
+              <a:latin typeface="+mn-lt"/>
+              <a:ea typeface="+mn-ea"/>
+              <a:cs typeface="+mn-cs"/>
+            </a:endParaRPr>
+          </a:p>
+          <a:p>
+            <a:r>
+              <a:rPr lang="en-US" sz="1200" kern="1200" dirty="0" smtClean="0">
+                <a:solidFill>
+                  <a:schemeClr val="tx1"/>
+                </a:solidFill>
+                <a:effectLst/>
+                <a:latin typeface="+mn-lt"/>
+                <a:ea typeface="+mn-ea"/>
+                <a:cs typeface="+mn-cs"/>
+              </a:rPr>
+              <a:t>Regression algorithms seek to establish and quantify relationships between variables. By establishing a relationship between a dependent variable and one or more independent variables, regression analysis can enable the value of a dependent variable to be predicted given a set of inputs with a quantifiable accuracy. A great example can be seen at </a:t>
+            </a:r>
+            <a:r>
+              <a:rPr lang="en-US" sz="1200" u="sng" kern="1200" dirty="0" smtClean="0">
+                <a:solidFill>
+                  <a:schemeClr val="tx1"/>
+                </a:solidFill>
+                <a:effectLst/>
+                <a:latin typeface="+mn-lt"/>
+                <a:ea typeface="+mn-ea"/>
+                <a:cs typeface="+mn-cs"/>
+                <a:hlinkClick r:id="rId3"/>
+              </a:rPr>
+              <a:t>https://how-old.net/#</a:t>
+            </a:r>
+            <a:r>
+              <a:rPr lang="en-US" sz="1200" kern="1200" dirty="0" smtClean="0">
+                <a:solidFill>
+                  <a:schemeClr val="tx1"/>
+                </a:solidFill>
+                <a:effectLst/>
+                <a:latin typeface="+mn-lt"/>
+                <a:ea typeface="+mn-ea"/>
+                <a:cs typeface="+mn-cs"/>
+              </a:rPr>
+              <a:t>, a site that lets you upload a photo and then guesses your age with uncanny accuracy. The site uses Azure Machine Learning and combines classic regression with advanced image recognition.</a:t>
+            </a:r>
+          </a:p>
+          <a:p>
+            <a:endParaRPr lang="en-US" sz="1200" kern="1200" dirty="0" smtClean="0">
+              <a:solidFill>
+                <a:schemeClr val="tx1"/>
+              </a:solidFill>
+              <a:effectLst/>
+              <a:latin typeface="+mn-lt"/>
+              <a:ea typeface="+mn-ea"/>
+              <a:cs typeface="+mn-cs"/>
+            </a:endParaRPr>
+          </a:p>
+          <a:p>
+            <a:r>
+              <a:rPr lang="en-US" sz="1200" kern="1200" dirty="0" smtClean="0">
+                <a:solidFill>
+                  <a:schemeClr val="tx1"/>
+                </a:solidFill>
+                <a:effectLst/>
+                <a:latin typeface="+mn-lt"/>
+                <a:ea typeface="+mn-ea"/>
+                <a:cs typeface="+mn-cs"/>
+              </a:rPr>
+              <a:t>The purpose of classification algorithms is to identify the category to which an observation belongs based on training data consisting of observations which have already been classified (assigned to a category). A great example is determining whether an e-mail belongs to the "spam" category or the "not-spam" category.</a:t>
+            </a:r>
+          </a:p>
+          <a:p>
+            <a:endParaRPr lang="en-US" sz="1200" kern="1200" dirty="0" smtClean="0">
+              <a:solidFill>
+                <a:schemeClr val="tx1"/>
+              </a:solidFill>
+              <a:effectLst/>
+              <a:latin typeface="+mn-lt"/>
+              <a:ea typeface="+mn-ea"/>
+              <a:cs typeface="+mn-cs"/>
+            </a:endParaRPr>
+          </a:p>
+          <a:p>
+            <a:r>
+              <a:rPr lang="en-US" sz="1200" kern="1200" dirty="0" smtClean="0">
+                <a:solidFill>
+                  <a:schemeClr val="tx1"/>
+                </a:solidFill>
+                <a:effectLst/>
+                <a:latin typeface="+mn-lt"/>
+                <a:ea typeface="+mn-ea"/>
+                <a:cs typeface="+mn-cs"/>
+              </a:rPr>
+              <a:t>Clustering seeks to group a set of objects in such a way that objects in the same group (called a cluster) are more similar to each other than to those in other groups (clusters). </a:t>
+            </a:r>
+          </a:p>
+          <a:p>
             <a:endParaRPr lang="en-US" dirty="0"/>
           </a:p>
         </p:txBody>
@@ -1278,7 +1310,7 @@
     </p:spTree>
     <p:extLst>
       <p:ext uri="{BB962C8B-B14F-4D97-AF65-F5344CB8AC3E}">
-        <p14:creationId xmlns:p14="http://schemas.microsoft.com/office/powerpoint/2010/main" val="623950281"/>
+        <p14:creationId xmlns:p14="http://schemas.microsoft.com/office/powerpoint/2010/main" val="3603783424"/>
       </p:ext>
     </p:extLst>
   </p:cSld>
@@ -1332,6 +1364,14 @@
           <a:bodyPr/>
           <a:lstStyle/>
           <a:p>
+            <a:r>
+              <a:rPr lang="en-US" dirty="0" smtClean="0"/>
+              <a:t>One example here is if you want to use a set of input values to predict</a:t>
+            </a:r>
+            <a:r>
+              <a:rPr lang="en-US" baseline="0" dirty="0" smtClean="0"/>
+              <a:t> an output value, use linear regression. But if you're more interested in the distribution of the output use fast forest quantile regression instead. An example of when you would use the latter is using growth charts to assess child development. "Abby's height is in the 10% quantile of the heights of kids her age."</a:t>
+            </a:r>
             <a:endParaRPr lang="en-US" dirty="0"/>
           </a:p>
         </p:txBody>
@@ -1354,6 +1394,199 @@
             <a:fld id="{BC60BE34-BC89-4C98-A56B-79B7A098D024}" type="slidenum">
               <a:rPr lang="en-US" smtClean="0"/>
               <a:t>10</a:t>
+            </a:fld>
+            <a:endParaRPr lang="en-US"/>
+          </a:p>
+        </p:txBody>
+      </p:sp>
+    </p:spTree>
+    <p:extLst>
+      <p:ext uri="{BB962C8B-B14F-4D97-AF65-F5344CB8AC3E}">
+        <p14:creationId xmlns:p14="http://schemas.microsoft.com/office/powerpoint/2010/main" val="623950281"/>
+      </p:ext>
+    </p:extLst>
+  </p:cSld>
+  <p:clrMapOvr>
+    <a:masterClrMapping/>
+  </p:clrMapOvr>
+</p:notes>
+</file>
+
+<file path=ppt/notesSlides/notesSlide8.xml><?xml version="1.0" encoding="utf-8"?>
+<p:notes xmlns:a="http://schemas.openxmlformats.org/drawingml/2006/main" xmlns:r="http://schemas.openxmlformats.org/officeDocument/2006/relationships" xmlns:p="http://schemas.openxmlformats.org/presentationml/2006/main">
+  <p:cSld>
+    <p:spTree>
+      <p:nvGrpSpPr>
+        <p:cNvPr id="1" name=""/>
+        <p:cNvGrpSpPr/>
+        <p:nvPr/>
+      </p:nvGrpSpPr>
+      <p:grpSpPr>
+        <a:xfrm>
+          <a:off x="0" y="0"/>
+          <a:ext cx="0" cy="0"/>
+          <a:chOff x="0" y="0"/>
+          <a:chExt cx="0" cy="0"/>
+        </a:xfrm>
+      </p:grpSpPr>
+      <p:sp>
+        <p:nvSpPr>
+          <p:cNvPr id="2" name="Slide Image Placeholder 1"/>
+          <p:cNvSpPr>
+            <a:spLocks noGrp="1" noRot="1" noChangeAspect="1"/>
+          </p:cNvSpPr>
+          <p:nvPr>
+            <p:ph type="sldImg"/>
+          </p:nvPr>
+        </p:nvSpPr>
+        <p:spPr/>
+      </p:sp>
+      <p:sp>
+        <p:nvSpPr>
+          <p:cNvPr id="3" name="Notes Placeholder 2"/>
+          <p:cNvSpPr>
+            <a:spLocks noGrp="1"/>
+          </p:cNvSpPr>
+          <p:nvPr>
+            <p:ph type="body" idx="1"/>
+          </p:nvPr>
+        </p:nvSpPr>
+        <p:spPr/>
+        <p:txBody>
+          <a:bodyPr/>
+          <a:lstStyle/>
+          <a:p>
+            <a:pPr marL="0" marR="0" lvl="0" indent="0" algn="l" defTabSz="914400" rtl="0" eaLnBrk="1" fontAlgn="auto" latinLnBrk="0" hangingPunct="1">
+              <a:lnSpc>
+                <a:spcPct val="100000"/>
+              </a:lnSpc>
+              <a:spcBef>
+                <a:spcPts val="0"/>
+              </a:spcBef>
+              <a:spcAft>
+                <a:spcPts val="0"/>
+              </a:spcAft>
+              <a:buClrTx/>
+              <a:buSzTx/>
+              <a:buFontTx/>
+              <a:buNone/>
+              <a:tabLst/>
+              <a:defRPr/>
+            </a:pPr>
+            <a:r>
+              <a:rPr lang="en-US" dirty="0" smtClean="0"/>
+              <a:t>Once deployed as a Web service, a model can be used</a:t>
+            </a:r>
+            <a:r>
+              <a:rPr lang="en-US" baseline="0" dirty="0" smtClean="0"/>
+              <a:t> with simple REST calls over HTTP. This enables developers to build "smart apps" that get their intelligence from ML. In the next lab, students will build and train an ML model, deploy it as a Web service, and then write a client app that uses it.</a:t>
+            </a:r>
+            <a:endParaRPr lang="en-US" dirty="0" smtClean="0"/>
+          </a:p>
+        </p:txBody>
+      </p:sp>
+      <p:sp>
+        <p:nvSpPr>
+          <p:cNvPr id="4" name="Slide Number Placeholder 3"/>
+          <p:cNvSpPr>
+            <a:spLocks noGrp="1"/>
+          </p:cNvSpPr>
+          <p:nvPr>
+            <p:ph type="sldNum" sz="quarter" idx="10"/>
+          </p:nvPr>
+        </p:nvSpPr>
+        <p:spPr/>
+        <p:txBody>
+          <a:bodyPr/>
+          <a:lstStyle/>
+          <a:p>
+            <a:fld id="{BC60BE34-BC89-4C98-A56B-79B7A098D024}" type="slidenum">
+              <a:rPr lang="en-US" smtClean="0"/>
+              <a:t>11</a:t>
+            </a:fld>
+            <a:endParaRPr lang="en-US"/>
+          </a:p>
+        </p:txBody>
+      </p:sp>
+    </p:spTree>
+    <p:extLst>
+      <p:ext uri="{BB962C8B-B14F-4D97-AF65-F5344CB8AC3E}">
+        <p14:creationId xmlns:p14="http://schemas.microsoft.com/office/powerpoint/2010/main" val="10775958"/>
+      </p:ext>
+    </p:extLst>
+  </p:cSld>
+  <p:clrMapOvr>
+    <a:masterClrMapping/>
+  </p:clrMapOvr>
+</p:notes>
+</file>
+
+<file path=ppt/notesSlides/notesSlide9.xml><?xml version="1.0" encoding="utf-8"?>
+<p:notes xmlns:a="http://schemas.openxmlformats.org/drawingml/2006/main" xmlns:r="http://schemas.openxmlformats.org/officeDocument/2006/relationships" xmlns:p="http://schemas.openxmlformats.org/presentationml/2006/main">
+  <p:cSld>
+    <p:spTree>
+      <p:nvGrpSpPr>
+        <p:cNvPr id="1" name=""/>
+        <p:cNvGrpSpPr/>
+        <p:nvPr/>
+      </p:nvGrpSpPr>
+      <p:grpSpPr>
+        <a:xfrm>
+          <a:off x="0" y="0"/>
+          <a:ext cx="0" cy="0"/>
+          <a:chOff x="0" y="0"/>
+          <a:chExt cx="0" cy="0"/>
+        </a:xfrm>
+      </p:grpSpPr>
+      <p:sp>
+        <p:nvSpPr>
+          <p:cNvPr id="2" name="Slide Image Placeholder 1"/>
+          <p:cNvSpPr>
+            <a:spLocks noGrp="1" noRot="1" noChangeAspect="1"/>
+          </p:cNvSpPr>
+          <p:nvPr>
+            <p:ph type="sldImg"/>
+          </p:nvPr>
+        </p:nvSpPr>
+        <p:spPr/>
+      </p:sp>
+      <p:sp>
+        <p:nvSpPr>
+          <p:cNvPr id="3" name="Notes Placeholder 2"/>
+          <p:cNvSpPr>
+            <a:spLocks noGrp="1"/>
+          </p:cNvSpPr>
+          <p:nvPr>
+            <p:ph type="body" idx="1"/>
+          </p:nvPr>
+        </p:nvSpPr>
+        <p:spPr/>
+        <p:txBody>
+          <a:bodyPr/>
+          <a:lstStyle/>
+          <a:p>
+            <a:endParaRPr lang="en-US" dirty="0"/>
+          </a:p>
+        </p:txBody>
+      </p:sp>
+      <p:sp>
+        <p:nvSpPr>
+          <p:cNvPr id="4" name="Slide Number Placeholder 3"/>
+          <p:cNvSpPr>
+            <a:spLocks noGrp="1"/>
+          </p:cNvSpPr>
+          <p:nvPr>
+            <p:ph type="sldNum" sz="quarter" idx="10"/>
+          </p:nvPr>
+        </p:nvSpPr>
+        <p:spPr/>
+        <p:txBody>
+          <a:bodyPr/>
+          <a:lstStyle/>
+          <a:p>
+            <a:fld id="{BC60BE34-BC89-4C98-A56B-79B7A098D024}" type="slidenum">
+              <a:rPr lang="en-US" smtClean="0"/>
+              <a:t>12</a:t>
             </a:fld>
             <a:endParaRPr lang="en-US"/>
           </a:p>
@@ -12247,6 +12480,231 @@
 <file path=ppt/slides/slide10.xml><?xml version="1.0" encoding="utf-8"?>
 <p:sld xmlns:a="http://schemas.openxmlformats.org/drawingml/2006/main" xmlns:r="http://schemas.openxmlformats.org/officeDocument/2006/relationships" xmlns:p="http://schemas.openxmlformats.org/presentationml/2006/main">
   <p:cSld>
+    <p:spTree>
+      <p:nvGrpSpPr>
+        <p:cNvPr id="1" name=""/>
+        <p:cNvGrpSpPr/>
+        <p:nvPr/>
+      </p:nvGrpSpPr>
+      <p:grpSpPr>
+        <a:xfrm>
+          <a:off x="0" y="0"/>
+          <a:ext cx="0" cy="0"/>
+          <a:chOff x="0" y="0"/>
+          <a:chExt cx="0" cy="0"/>
+        </a:xfrm>
+      </p:grpSpPr>
+      <p:pic>
+        <p:nvPicPr>
+          <p:cNvPr id="5" name="Picture 4"/>
+          <p:cNvPicPr>
+            <a:picLocks noChangeAspect="1"/>
+          </p:cNvPicPr>
+          <p:nvPr/>
+        </p:nvPicPr>
+        <p:blipFill>
+          <a:blip r:embed="rId3"/>
+          <a:stretch>
+            <a:fillRect/>
+          </a:stretch>
+        </p:blipFill>
+        <p:spPr>
+          <a:xfrm>
+            <a:off x="0" y="0"/>
+            <a:ext cx="10604938" cy="6859501"/>
+          </a:xfrm>
+          <a:prstGeom prst="rect">
+            <a:avLst/>
+          </a:prstGeom>
+        </p:spPr>
+      </p:pic>
+      <p:sp>
+        <p:nvSpPr>
+          <p:cNvPr id="2" name="Title 1"/>
+          <p:cNvSpPr>
+            <a:spLocks noGrp="1"/>
+          </p:cNvSpPr>
+          <p:nvPr>
+            <p:ph type="title"/>
+          </p:nvPr>
+        </p:nvSpPr>
+        <p:spPr>
+          <a:xfrm rot="16200000">
+            <a:off x="7965374" y="3152001"/>
+            <a:ext cx="6858000" cy="553998"/>
+          </a:xfrm>
+        </p:spPr>
+        <p:txBody>
+          <a:bodyPr/>
+          <a:lstStyle/>
+          <a:p>
+            <a:pPr algn="ctr"/>
+            <a:r>
+              <a:rPr lang="en-US" sz="4000" dirty="0" smtClean="0"/>
+              <a:t>http://</a:t>
+            </a:r>
+            <a:r>
+              <a:rPr lang="en-US" sz="4000" dirty="0" err="1" smtClean="0"/>
+              <a:t>aka.ms</a:t>
+            </a:r>
+            <a:r>
+              <a:rPr lang="en-US" sz="4000" dirty="0" smtClean="0"/>
+              <a:t>/</a:t>
+            </a:r>
+            <a:r>
+              <a:rPr lang="en-US" sz="4000" dirty="0" err="1" smtClean="0"/>
+              <a:t>MLCheatSheet</a:t>
+            </a:r>
+            <a:endParaRPr lang="en-US" sz="4000" dirty="0"/>
+          </a:p>
+        </p:txBody>
+      </p:sp>
+    </p:spTree>
+    <p:extLst>
+      <p:ext uri="{BB962C8B-B14F-4D97-AF65-F5344CB8AC3E}">
+        <p14:creationId xmlns:p14="http://schemas.microsoft.com/office/powerpoint/2010/main" val="857841679"/>
+      </p:ext>
+    </p:extLst>
+  </p:cSld>
+  <p:clrMapOvr>
+    <a:masterClrMapping/>
+  </p:clrMapOvr>
+  <p:transition>
+    <p:fade/>
+  </p:transition>
+  <p:timing>
+    <p:tnLst>
+      <p:par>
+        <p:cTn id="1" dur="indefinite" restart="never" nodeType="tmRoot"/>
+      </p:par>
+    </p:tnLst>
+  </p:timing>
+</p:sld>
+</file>
+
+<file path=ppt/slides/slide11.xml><?xml version="1.0" encoding="utf-8"?>
+<p:sld xmlns:a="http://schemas.openxmlformats.org/drawingml/2006/main" xmlns:r="http://schemas.openxmlformats.org/officeDocument/2006/relationships" xmlns:p="http://schemas.openxmlformats.org/presentationml/2006/main">
+  <p:cSld>
+    <p:spTree>
+      <p:nvGrpSpPr>
+        <p:cNvPr id="1" name=""/>
+        <p:cNvGrpSpPr/>
+        <p:nvPr/>
+      </p:nvGrpSpPr>
+      <p:grpSpPr>
+        <a:xfrm>
+          <a:off x="0" y="0"/>
+          <a:ext cx="0" cy="0"/>
+          <a:chOff x="0" y="0"/>
+          <a:chExt cx="0" cy="0"/>
+        </a:xfrm>
+      </p:grpSpPr>
+      <p:sp>
+        <p:nvSpPr>
+          <p:cNvPr id="2" name="Title 1"/>
+          <p:cNvSpPr>
+            <a:spLocks noGrp="1"/>
+          </p:cNvSpPr>
+          <p:nvPr>
+            <p:ph type="title"/>
+          </p:nvPr>
+        </p:nvSpPr>
+        <p:spPr/>
+        <p:txBody>
+          <a:bodyPr/>
+          <a:lstStyle/>
+          <a:p>
+            <a:r>
+              <a:rPr lang="en-US" dirty="0" smtClean="0"/>
+              <a:t>Deploying as a Web Service</a:t>
+            </a:r>
+            <a:endParaRPr lang="en-US" dirty="0"/>
+          </a:p>
+        </p:txBody>
+      </p:sp>
+      <p:sp>
+        <p:nvSpPr>
+          <p:cNvPr id="3" name="Content Placeholder 2"/>
+          <p:cNvSpPr>
+            <a:spLocks noGrp="1"/>
+          </p:cNvSpPr>
+          <p:nvPr>
+            <p:ph idx="1"/>
+          </p:nvPr>
+        </p:nvSpPr>
+        <p:spPr>
+          <a:xfrm>
+            <a:off x="519248" y="1447800"/>
+            <a:ext cx="11151916" cy="1329210"/>
+          </a:xfrm>
+        </p:spPr>
+        <p:txBody>
+          <a:bodyPr/>
+          <a:lstStyle/>
+          <a:p>
+            <a:r>
+              <a:rPr lang="en-US" dirty="0"/>
+              <a:t>A button click in ML Studio deploys a model as a Web service ("operationalizes" the </a:t>
+            </a:r>
+            <a:r>
+              <a:rPr lang="en-US" dirty="0" smtClean="0"/>
+              <a:t>model) and </a:t>
+            </a:r>
+            <a:r>
+              <a:rPr lang="en-US" dirty="0"/>
+              <a:t>provides sample code for calling it in three </a:t>
+            </a:r>
+            <a:r>
+              <a:rPr lang="en-US" dirty="0" smtClean="0"/>
+              <a:t>languages</a:t>
+            </a:r>
+            <a:endParaRPr lang="en-US" dirty="0"/>
+          </a:p>
+        </p:txBody>
+      </p:sp>
+      <p:pic>
+        <p:nvPicPr>
+          <p:cNvPr id="5" name="Picture 4"/>
+          <p:cNvPicPr>
+            <a:picLocks noChangeAspect="1"/>
+          </p:cNvPicPr>
+          <p:nvPr/>
+        </p:nvPicPr>
+        <p:blipFill>
+          <a:blip r:embed="rId3"/>
+          <a:stretch>
+            <a:fillRect/>
+          </a:stretch>
+        </p:blipFill>
+        <p:spPr>
+          <a:xfrm>
+            <a:off x="2992998" y="3113763"/>
+            <a:ext cx="6206003" cy="3320801"/>
+          </a:xfrm>
+          <a:prstGeom prst="rect">
+            <a:avLst/>
+          </a:prstGeom>
+        </p:spPr>
+      </p:pic>
+    </p:spTree>
+    <p:extLst>
+      <p:ext uri="{BB962C8B-B14F-4D97-AF65-F5344CB8AC3E}">
+        <p14:creationId xmlns:p14="http://schemas.microsoft.com/office/powerpoint/2010/main" val="3618956184"/>
+      </p:ext>
+    </p:extLst>
+  </p:cSld>
+  <p:clrMapOvr>
+    <a:masterClrMapping/>
+  </p:clrMapOvr>
+  <p:transition>
+    <p:fade/>
+  </p:transition>
+</p:sld>
+</file>
+
+<file path=ppt/slides/slide12.xml><?xml version="1.0" encoding="utf-8"?>
+<p:sld xmlns:a="http://schemas.openxmlformats.org/drawingml/2006/main" xmlns:r="http://schemas.openxmlformats.org/officeDocument/2006/relationships" xmlns:p="http://schemas.openxmlformats.org/presentationml/2006/main">
+  <p:cSld>
     <p:bg>
       <p:bgPr>
         <a:blipFill dpi="0" rotWithShape="1">
@@ -12497,7 +12955,7 @@
 </p:sld>
 </file>
 
-<file path=ppt/slides/slide11.xml><?xml version="1.0" encoding="utf-8"?>
+<file path=ppt/slides/slide13.xml><?xml version="1.0" encoding="utf-8"?>
 <p:sld xmlns:a="http://schemas.openxmlformats.org/drawingml/2006/main" xmlns:r="http://schemas.openxmlformats.org/officeDocument/2006/relationships" xmlns:p="http://schemas.openxmlformats.org/presentationml/2006/main">
   <p:cSld>
     <p:spTree>
@@ -12611,7 +13069,7 @@
 </p:sld>
 </file>
 
-<file path=ppt/slides/slide12.xml><?xml version="1.0" encoding="utf-8"?>
+<file path=ppt/slides/slide14.xml><?xml version="1.0" encoding="utf-8"?>
 <p:sld xmlns:a="http://schemas.openxmlformats.org/drawingml/2006/main" xmlns:r="http://schemas.openxmlformats.org/officeDocument/2006/relationships" xmlns:p="http://schemas.openxmlformats.org/presentationml/2006/main">
   <p:cSld>
     <p:spTree>
@@ -12893,334 +13351,6 @@
 </file>
 
 <file path=ppt/slides/slide4.xml><?xml version="1.0" encoding="utf-8"?>
-<p:sld xmlns:a="http://schemas.openxmlformats.org/drawingml/2006/main" xmlns:r="http://schemas.openxmlformats.org/officeDocument/2006/relationships" xmlns:p="http://schemas.openxmlformats.org/presentationml/2006/main">
-  <p:cSld>
-    <p:spTree>
-      <p:nvGrpSpPr>
-        <p:cNvPr id="1" name=""/>
-        <p:cNvGrpSpPr/>
-        <p:nvPr/>
-      </p:nvGrpSpPr>
-      <p:grpSpPr>
-        <a:xfrm>
-          <a:off x="0" y="0"/>
-          <a:ext cx="0" cy="0"/>
-          <a:chOff x="0" y="0"/>
-          <a:chExt cx="0" cy="0"/>
-        </a:xfrm>
-      </p:grpSpPr>
-      <p:sp>
-        <p:nvSpPr>
-          <p:cNvPr id="2" name="Title 1"/>
-          <p:cNvSpPr>
-            <a:spLocks noGrp="1"/>
-          </p:cNvSpPr>
-          <p:nvPr>
-            <p:ph type="title"/>
-          </p:nvPr>
-        </p:nvSpPr>
-        <p:spPr/>
-        <p:txBody>
-          <a:bodyPr/>
-          <a:lstStyle/>
-          <a:p>
-            <a:r>
-              <a:rPr lang="en-US" dirty="0" smtClean="0"/>
-              <a:t>Azure Machine Learning</a:t>
-            </a:r>
-            <a:endParaRPr lang="en-US" dirty="0"/>
-          </a:p>
-        </p:txBody>
-      </p:sp>
-      <p:sp>
-        <p:nvSpPr>
-          <p:cNvPr id="3" name="Content Placeholder 2"/>
-          <p:cNvSpPr>
-            <a:spLocks noGrp="1"/>
-          </p:cNvSpPr>
-          <p:nvPr>
-            <p:ph idx="1"/>
-          </p:nvPr>
-        </p:nvSpPr>
-        <p:spPr>
-          <a:xfrm>
-            <a:off x="519248" y="1447800"/>
-            <a:ext cx="5587262" cy="4486100"/>
-          </a:xfrm>
-        </p:spPr>
-        <p:txBody>
-          <a:bodyPr/>
-          <a:lstStyle/>
-          <a:p>
-            <a:r>
-              <a:rPr lang="en-US" dirty="0" smtClean="0"/>
-              <a:t>Cloud service for building sophisticated ML models</a:t>
-            </a:r>
-          </a:p>
-          <a:p>
-            <a:pPr lvl="1"/>
-            <a:r>
-              <a:rPr lang="en-US" dirty="0" smtClean="0"/>
-              <a:t>Includes ML Studio for composing experiments</a:t>
-            </a:r>
-          </a:p>
-          <a:p>
-            <a:pPr lvl="1"/>
-            <a:r>
-              <a:rPr lang="en-US" dirty="0" smtClean="0"/>
-              <a:t>Classification, regression, anomaly detection, and more</a:t>
-            </a:r>
-          </a:p>
-          <a:p>
-            <a:pPr lvl="1"/>
-            <a:r>
-              <a:rPr lang="en-US" dirty="0" smtClean="0"/>
-              <a:t>Supports text input, CSV, TSV, OData, </a:t>
-            </a:r>
-            <a:r>
-              <a:rPr lang="en-US" dirty="0" err="1" smtClean="0"/>
-              <a:t>RData</a:t>
-            </a:r>
-            <a:r>
-              <a:rPr lang="en-US" dirty="0" smtClean="0"/>
-              <a:t>, ZIP, and more</a:t>
-            </a:r>
-          </a:p>
-          <a:p>
-            <a:pPr lvl="1"/>
-            <a:r>
-              <a:rPr lang="en-US" dirty="0" smtClean="0"/>
-              <a:t>Supports R and Python</a:t>
-            </a:r>
-          </a:p>
-          <a:p>
-            <a:r>
-              <a:rPr lang="en-US" dirty="0" smtClean="0"/>
-              <a:t>Embodies years of research</a:t>
-            </a:r>
-            <a:endParaRPr lang="en-US" dirty="0"/>
-          </a:p>
-        </p:txBody>
-      </p:sp>
-      <p:pic>
-        <p:nvPicPr>
-          <p:cNvPr id="4" name="Picture 3"/>
-          <p:cNvPicPr>
-            <a:picLocks noChangeAspect="1"/>
-          </p:cNvPicPr>
-          <p:nvPr/>
-        </p:nvPicPr>
-        <p:blipFill>
-          <a:blip r:embed="rId3">
-            <a:extLst>
-              <a:ext uri="{28A0092B-C50C-407E-A947-70E740481C1C}">
-                <a14:useLocalDpi xmlns:a14="http://schemas.microsoft.com/office/drawing/2010/main" val="0"/>
-              </a:ext>
-            </a:extLst>
-          </a:blip>
-          <a:stretch>
-            <a:fillRect/>
-          </a:stretch>
-        </p:blipFill>
-        <p:spPr>
-          <a:xfrm>
-            <a:off x="6558455" y="1447800"/>
-            <a:ext cx="4918842" cy="4296104"/>
-          </a:xfrm>
-          <a:prstGeom prst="rect">
-            <a:avLst/>
-          </a:prstGeom>
-          <a:ln>
-            <a:solidFill>
-              <a:schemeClr val="bg1">
-                <a:lumMod val="75000"/>
-              </a:schemeClr>
-            </a:solidFill>
-          </a:ln>
-          <a:effectLst>
-            <a:outerShdw blurRad="292100" dist="139700" dir="2700000" algn="tl" rotWithShape="0">
-              <a:srgbClr val="333333">
-                <a:alpha val="65000"/>
-              </a:srgbClr>
-            </a:outerShdw>
-          </a:effectLst>
-        </p:spPr>
-      </p:pic>
-    </p:spTree>
-    <p:extLst>
-      <p:ext uri="{BB962C8B-B14F-4D97-AF65-F5344CB8AC3E}">
-        <p14:creationId xmlns:p14="http://schemas.microsoft.com/office/powerpoint/2010/main" val="1281948001"/>
-      </p:ext>
-    </p:extLst>
-  </p:cSld>
-  <p:clrMapOvr>
-    <a:masterClrMapping/>
-  </p:clrMapOvr>
-  <p:transition>
-    <p:fade/>
-  </p:transition>
-  <p:timing>
-    <p:tnLst>
-      <p:par>
-        <p:cTn id="1" dur="indefinite" restart="never" nodeType="tmRoot"/>
-      </p:par>
-    </p:tnLst>
-  </p:timing>
-</p:sld>
-</file>
-
-<file path=ppt/slides/slide5.xml><?xml version="1.0" encoding="utf-8"?>
-<p:sld xmlns:a="http://schemas.openxmlformats.org/drawingml/2006/main" xmlns:r="http://schemas.openxmlformats.org/officeDocument/2006/relationships" xmlns:p="http://schemas.openxmlformats.org/presentationml/2006/main">
-  <p:cSld>
-    <p:spTree>
-      <p:nvGrpSpPr>
-        <p:cNvPr id="1" name=""/>
-        <p:cNvGrpSpPr/>
-        <p:nvPr/>
-      </p:nvGrpSpPr>
-      <p:grpSpPr>
-        <a:xfrm>
-          <a:off x="0" y="0"/>
-          <a:ext cx="0" cy="0"/>
-          <a:chOff x="0" y="0"/>
-          <a:chExt cx="0" cy="0"/>
-        </a:xfrm>
-      </p:grpSpPr>
-      <p:sp>
-        <p:nvSpPr>
-          <p:cNvPr id="4" name="TextBox 3"/>
-          <p:cNvSpPr txBox="1"/>
-          <p:nvPr/>
-        </p:nvSpPr>
-        <p:spPr>
-          <a:xfrm>
-            <a:off x="1334815" y="1334813"/>
-            <a:ext cx="9017876" cy="4154984"/>
-          </a:xfrm>
-          <a:prstGeom prst="rect">
-            <a:avLst/>
-          </a:prstGeom>
-          <a:noFill/>
-        </p:spPr>
-        <p:txBody>
-          <a:bodyPr wrap="square" lIns="0" tIns="0" rIns="0" bIns="0" rtlCol="0">
-            <a:spAutoFit/>
-          </a:bodyPr>
-          <a:lstStyle/>
-          <a:p>
-            <a:pPr algn="ctr">
-              <a:lnSpc>
-                <a:spcPct val="90000"/>
-              </a:lnSpc>
-              <a:spcBef>
-                <a:spcPct val="20000"/>
-              </a:spcBef>
-              <a:buSzPct val="80000"/>
-            </a:pPr>
-            <a:r>
-              <a:rPr lang="en-US" sz="6000" i="1" dirty="0" smtClean="0">
-                <a:solidFill>
-                  <a:schemeClr val="accent2"/>
-                </a:solidFill>
-                <a:latin typeface="Segoe UI Light" panose="020B0502040204020203" pitchFamily="34" charset="0"/>
-                <a:cs typeface="Segoe UI Light" panose="020B0502040204020203" pitchFamily="34" charset="0"/>
-              </a:rPr>
-              <a:t>I spent last semester building a regression model in Python, and I just did the same thing in 10 minutes with Azure ML</a:t>
-            </a:r>
-            <a:endParaRPr lang="en-US" sz="6000" i="1" dirty="0">
-              <a:solidFill>
-                <a:schemeClr val="accent2"/>
-              </a:solidFill>
-              <a:latin typeface="Segoe UI Light" panose="020B0502040204020203" pitchFamily="34" charset="0"/>
-              <a:cs typeface="Segoe UI Light" panose="020B0502040204020203" pitchFamily="34" charset="0"/>
-            </a:endParaRPr>
-          </a:p>
-        </p:txBody>
-      </p:sp>
-      <p:pic>
-        <p:nvPicPr>
-          <p:cNvPr id="8" name="Picture 7"/>
-          <p:cNvPicPr>
-            <a:picLocks noChangeAspect="1"/>
-          </p:cNvPicPr>
-          <p:nvPr/>
-        </p:nvPicPr>
-        <p:blipFill>
-          <a:blip r:embed="rId3" cstate="print">
-            <a:extLst>
-              <a:ext uri="{28A0092B-C50C-407E-A947-70E740481C1C}">
-                <a14:useLocalDpi xmlns:a14="http://schemas.microsoft.com/office/drawing/2010/main" val="0"/>
-              </a:ext>
-            </a:extLst>
-          </a:blip>
-          <a:stretch>
-            <a:fillRect/>
-          </a:stretch>
-        </p:blipFill>
-        <p:spPr>
-          <a:xfrm>
-            <a:off x="504528" y="874129"/>
-            <a:ext cx="1120158" cy="737437"/>
-          </a:xfrm>
-          <a:prstGeom prst="rect">
-            <a:avLst/>
-          </a:prstGeom>
-        </p:spPr>
-      </p:pic>
-      <p:pic>
-        <p:nvPicPr>
-          <p:cNvPr id="9" name="Picture 8"/>
-          <p:cNvPicPr>
-            <a:picLocks noChangeAspect="1"/>
-          </p:cNvPicPr>
-          <p:nvPr/>
-        </p:nvPicPr>
-        <p:blipFill>
-          <a:blip r:embed="rId4" cstate="print">
-            <a:extLst>
-              <a:ext uri="{28A0092B-C50C-407E-A947-70E740481C1C}">
-                <a14:useLocalDpi xmlns:a14="http://schemas.microsoft.com/office/drawing/2010/main" val="0"/>
-              </a:ext>
-            </a:extLst>
-          </a:blip>
-          <a:stretch>
-            <a:fillRect/>
-          </a:stretch>
-        </p:blipFill>
-        <p:spPr>
-          <a:xfrm>
-            <a:off x="10202486" y="4983654"/>
-            <a:ext cx="1120216" cy="737475"/>
-          </a:xfrm>
-          <a:prstGeom prst="rect">
-            <a:avLst/>
-          </a:prstGeom>
-        </p:spPr>
-      </p:pic>
-    </p:spTree>
-    <p:extLst>
-      <p:ext uri="{BB962C8B-B14F-4D97-AF65-F5344CB8AC3E}">
-        <p14:creationId xmlns:p14="http://schemas.microsoft.com/office/powerpoint/2010/main" val="2213141648"/>
-      </p:ext>
-    </p:extLst>
-  </p:cSld>
-  <p:clrMapOvr>
-    <a:masterClrMapping/>
-  </p:clrMapOvr>
-  <p:transition>
-    <p:fade/>
-  </p:transition>
-  <p:timing>
-    <p:tnLst>
-      <p:par>
-        <p:cTn id="1" dur="indefinite" restart="never" nodeType="tmRoot"/>
-      </p:par>
-    </p:tnLst>
-  </p:timing>
-</p:sld>
-</file>
-
-<file path=ppt/slides/slide6.xml><?xml version="1.0" encoding="utf-8"?>
 <p:sld xmlns:a="http://schemas.openxmlformats.org/drawingml/2006/main" xmlns:r="http://schemas.openxmlformats.org/officeDocument/2006/relationships" xmlns:p="http://schemas.openxmlformats.org/presentationml/2006/main">
   <p:cSld>
     <p:spTree>
@@ -13679,7 +13809,1025 @@
 </p:sld>
 </file>
 
+<file path=ppt/slides/slide5.xml><?xml version="1.0" encoding="utf-8"?>
+<p:sld xmlns:a="http://schemas.openxmlformats.org/drawingml/2006/main" xmlns:r="http://schemas.openxmlformats.org/officeDocument/2006/relationships" xmlns:p="http://schemas.openxmlformats.org/presentationml/2006/main">
+  <p:cSld>
+    <p:spTree>
+      <p:nvGrpSpPr>
+        <p:cNvPr id="1" name=""/>
+        <p:cNvGrpSpPr/>
+        <p:nvPr/>
+      </p:nvGrpSpPr>
+      <p:grpSpPr>
+        <a:xfrm>
+          <a:off x="0" y="0"/>
+          <a:ext cx="0" cy="0"/>
+          <a:chOff x="0" y="0"/>
+          <a:chExt cx="0" cy="0"/>
+        </a:xfrm>
+      </p:grpSpPr>
+      <p:sp>
+        <p:nvSpPr>
+          <p:cNvPr id="2" name="Title 1"/>
+          <p:cNvSpPr>
+            <a:spLocks noGrp="1"/>
+          </p:cNvSpPr>
+          <p:nvPr>
+            <p:ph type="title"/>
+          </p:nvPr>
+        </p:nvSpPr>
+        <p:spPr/>
+        <p:txBody>
+          <a:bodyPr/>
+          <a:lstStyle/>
+          <a:p>
+            <a:r>
+              <a:rPr lang="en-US" dirty="0" smtClean="0"/>
+              <a:t>Azure Machine Learning</a:t>
+            </a:r>
+            <a:endParaRPr lang="en-US" dirty="0"/>
+          </a:p>
+        </p:txBody>
+      </p:sp>
+      <p:sp>
+        <p:nvSpPr>
+          <p:cNvPr id="4" name="Content Placeholder 2"/>
+          <p:cNvSpPr>
+            <a:spLocks noGrp="1"/>
+          </p:cNvSpPr>
+          <p:nvPr>
+            <p:ph idx="1"/>
+          </p:nvPr>
+        </p:nvSpPr>
+        <p:spPr>
+          <a:xfrm>
+            <a:off x="519248" y="1447800"/>
+            <a:ext cx="7444303" cy="886140"/>
+          </a:xfrm>
+        </p:spPr>
+        <p:txBody>
+          <a:bodyPr/>
+          <a:lstStyle/>
+          <a:p>
+            <a:r>
+              <a:rPr lang="en-US" dirty="0"/>
+              <a:t>Fully managed cloud service for building and operationalizing ML </a:t>
+            </a:r>
+            <a:r>
+              <a:rPr lang="en-US" dirty="0" smtClean="0"/>
+              <a:t>models</a:t>
+            </a:r>
+            <a:endParaRPr lang="en-US" dirty="0"/>
+          </a:p>
+        </p:txBody>
+      </p:sp>
+      <p:pic>
+        <p:nvPicPr>
+          <p:cNvPr id="5" name="Picture 4"/>
+          <p:cNvPicPr>
+            <a:picLocks noChangeAspect="1"/>
+          </p:cNvPicPr>
+          <p:nvPr/>
+        </p:nvPicPr>
+        <p:blipFill>
+          <a:blip r:embed="rId3"/>
+          <a:stretch>
+            <a:fillRect/>
+          </a:stretch>
+        </p:blipFill>
+        <p:spPr>
+          <a:xfrm>
+            <a:off x="7963551" y="324372"/>
+            <a:ext cx="3761726" cy="2509989"/>
+          </a:xfrm>
+          <a:prstGeom prst="rect">
+            <a:avLst/>
+          </a:prstGeom>
+        </p:spPr>
+      </p:pic>
+      <p:sp>
+        <p:nvSpPr>
+          <p:cNvPr id="10" name="Rectangle 9"/>
+          <p:cNvSpPr/>
+          <p:nvPr/>
+        </p:nvSpPr>
+        <p:spPr bwMode="auto">
+          <a:xfrm>
+            <a:off x="508285" y="3055490"/>
+            <a:ext cx="2778917" cy="2958202"/>
+          </a:xfrm>
+          <a:prstGeom prst="rect">
+            <a:avLst/>
+          </a:prstGeom>
+          <a:solidFill>
+            <a:srgbClr val="5095D1"/>
+          </a:solidFill>
+          <a:ln>
+            <a:noFill/>
+            <a:headEnd type="none" w="med" len="med"/>
+            <a:tailEnd type="none" w="med" len="med"/>
+          </a:ln>
+          <a:effectLst/>
+        </p:spPr>
+        <p:style>
+          <a:lnRef idx="1">
+            <a:schemeClr val="accent2"/>
+          </a:lnRef>
+          <a:fillRef idx="3">
+            <a:schemeClr val="accent2"/>
+          </a:fillRef>
+          <a:effectRef idx="2">
+            <a:schemeClr val="accent2"/>
+          </a:effectRef>
+          <a:fontRef idx="minor">
+            <a:schemeClr val="lt1"/>
+          </a:fontRef>
+        </p:style>
+        <p:txBody>
+          <a:bodyPr rot="0" spcFirstLastPara="0" vertOverflow="overflow" horzOverflow="overflow" vert="horz" wrap="square" lIns="179285" tIns="143428" rIns="179285" bIns="143428" numCol="1" spcCol="0" rtlCol="0" fromWordArt="0" anchor="t" anchorCtr="0" forceAA="0" compatLnSpc="1">
+            <a:prstTxWarp prst="textNoShape">
+              <a:avLst/>
+            </a:prstTxWarp>
+            <a:noAutofit/>
+          </a:bodyPr>
+          <a:lstStyle/>
+          <a:p>
+            <a:pPr defTabSz="914102" fontAlgn="base">
+              <a:spcBef>
+                <a:spcPts val="588"/>
+              </a:spcBef>
+              <a:spcAft>
+                <a:spcPts val="1176"/>
+              </a:spcAft>
+            </a:pPr>
+            <a:r>
+              <a:rPr lang="en-US" sz="3137" kern="0" dirty="0">
+                <a:solidFill>
+                  <a:srgbClr val="FFFFFF"/>
+                </a:solidFill>
+                <a:latin typeface="Segoe UI Light"/>
+                <a:ea typeface="Segoe UI" pitchFamily="34" charset="0"/>
+                <a:cs typeface="Segoe UI" pitchFamily="34" charset="0"/>
+              </a:rPr>
+              <a:t>Fully </a:t>
+            </a:r>
+            <a:br>
+              <a:rPr lang="en-US" sz="3137" kern="0" dirty="0">
+                <a:solidFill>
+                  <a:srgbClr val="FFFFFF"/>
+                </a:solidFill>
+                <a:latin typeface="Segoe UI Light"/>
+                <a:ea typeface="Segoe UI" pitchFamily="34" charset="0"/>
+                <a:cs typeface="Segoe UI" pitchFamily="34" charset="0"/>
+              </a:rPr>
+            </a:br>
+            <a:r>
+              <a:rPr lang="en-US" sz="3137" kern="0" dirty="0">
+                <a:solidFill>
+                  <a:srgbClr val="FFFFFF"/>
+                </a:solidFill>
+                <a:latin typeface="Segoe UI Light"/>
+                <a:ea typeface="Segoe UI" pitchFamily="34" charset="0"/>
+                <a:cs typeface="Segoe UI" pitchFamily="34" charset="0"/>
+              </a:rPr>
+              <a:t>managed</a:t>
+            </a:r>
+          </a:p>
+          <a:p>
+            <a:pPr defTabSz="914102" fontAlgn="base">
+              <a:spcBef>
+                <a:spcPts val="588"/>
+              </a:spcBef>
+              <a:spcAft>
+                <a:spcPct val="0"/>
+              </a:spcAft>
+            </a:pPr>
+            <a:endParaRPr lang="en-US" sz="1961" kern="0" dirty="0">
+              <a:solidFill>
+                <a:srgbClr val="FFFFFF"/>
+              </a:solidFill>
+              <a:ea typeface="Segoe UI" pitchFamily="34" charset="0"/>
+              <a:cs typeface="Segoe UI" pitchFamily="34" charset="0"/>
+            </a:endParaRPr>
+          </a:p>
+          <a:p>
+            <a:pPr defTabSz="914102" fontAlgn="base">
+              <a:spcBef>
+                <a:spcPts val="588"/>
+              </a:spcBef>
+              <a:spcAft>
+                <a:spcPct val="0"/>
+              </a:spcAft>
+            </a:pPr>
+            <a:endParaRPr lang="en-US" sz="1961" kern="0" dirty="0">
+              <a:solidFill>
+                <a:srgbClr val="FFFFFF"/>
+              </a:solidFill>
+              <a:ea typeface="Segoe UI" pitchFamily="34" charset="0"/>
+              <a:cs typeface="Segoe UI" pitchFamily="34" charset="0"/>
+            </a:endParaRPr>
+          </a:p>
+        </p:txBody>
+      </p:sp>
+      <p:sp>
+        <p:nvSpPr>
+          <p:cNvPr id="11" name="Rectangle 10"/>
+          <p:cNvSpPr/>
+          <p:nvPr/>
+        </p:nvSpPr>
+        <p:spPr bwMode="auto">
+          <a:xfrm>
+            <a:off x="3287202" y="3055490"/>
+            <a:ext cx="2778917" cy="2958202"/>
+          </a:xfrm>
+          <a:prstGeom prst="rect">
+            <a:avLst/>
+          </a:prstGeom>
+          <a:solidFill>
+            <a:srgbClr val="1D4380"/>
+          </a:solidFill>
+          <a:ln>
+            <a:noFill/>
+            <a:headEnd type="none" w="med" len="med"/>
+            <a:tailEnd type="none" w="med" len="med"/>
+          </a:ln>
+          <a:effectLst/>
+        </p:spPr>
+        <p:style>
+          <a:lnRef idx="1">
+            <a:schemeClr val="accent2"/>
+          </a:lnRef>
+          <a:fillRef idx="3">
+            <a:schemeClr val="accent2"/>
+          </a:fillRef>
+          <a:effectRef idx="2">
+            <a:schemeClr val="accent2"/>
+          </a:effectRef>
+          <a:fontRef idx="minor">
+            <a:schemeClr val="lt1"/>
+          </a:fontRef>
+        </p:style>
+        <p:txBody>
+          <a:bodyPr rot="0" spcFirstLastPara="0" vertOverflow="overflow" horzOverflow="overflow" vert="horz" wrap="square" lIns="179285" tIns="143428" rIns="179285" bIns="143428" numCol="1" spcCol="0" rtlCol="0" fromWordArt="0" anchor="t" anchorCtr="0" forceAA="0" compatLnSpc="1">
+            <a:prstTxWarp prst="textNoShape">
+              <a:avLst/>
+            </a:prstTxWarp>
+            <a:noAutofit/>
+          </a:bodyPr>
+          <a:lstStyle/>
+          <a:p>
+            <a:pPr defTabSz="914102" fontAlgn="base">
+              <a:spcBef>
+                <a:spcPts val="588"/>
+              </a:spcBef>
+              <a:spcAft>
+                <a:spcPts val="1176"/>
+              </a:spcAft>
+            </a:pPr>
+            <a:r>
+              <a:rPr lang="en-US" sz="3137" kern="0" dirty="0">
+                <a:solidFill>
+                  <a:srgbClr val="FFFFFF"/>
+                </a:solidFill>
+                <a:latin typeface="Segoe UI Light"/>
+                <a:ea typeface="Segoe UI" pitchFamily="34" charset="0"/>
+                <a:cs typeface="Segoe UI" pitchFamily="34" charset="0"/>
+              </a:rPr>
+              <a:t>Integrated</a:t>
+            </a:r>
+          </a:p>
+        </p:txBody>
+      </p:sp>
+      <p:sp>
+        <p:nvSpPr>
+          <p:cNvPr id="12" name="Rectangle 11"/>
+          <p:cNvSpPr/>
+          <p:nvPr/>
+        </p:nvSpPr>
+        <p:spPr bwMode="auto">
+          <a:xfrm>
+            <a:off x="6066119" y="3055490"/>
+            <a:ext cx="2936845" cy="2958202"/>
+          </a:xfrm>
+          <a:prstGeom prst="rect">
+            <a:avLst/>
+          </a:prstGeom>
+          <a:solidFill>
+            <a:srgbClr val="00B050"/>
+          </a:solidFill>
+          <a:ln>
+            <a:noFill/>
+            <a:headEnd type="none" w="med" len="med"/>
+            <a:tailEnd type="none" w="med" len="med"/>
+          </a:ln>
+          <a:effectLst/>
+        </p:spPr>
+        <p:style>
+          <a:lnRef idx="1">
+            <a:schemeClr val="accent2"/>
+          </a:lnRef>
+          <a:fillRef idx="3">
+            <a:schemeClr val="accent2"/>
+          </a:fillRef>
+          <a:effectRef idx="2">
+            <a:schemeClr val="accent2"/>
+          </a:effectRef>
+          <a:fontRef idx="minor">
+            <a:schemeClr val="lt1"/>
+          </a:fontRef>
+        </p:style>
+        <p:txBody>
+          <a:bodyPr rot="0" spcFirstLastPara="0" vertOverflow="overflow" horzOverflow="overflow" vert="horz" wrap="square" lIns="179285" tIns="143428" rIns="179285" bIns="143428" numCol="1" spcCol="0" rtlCol="0" fromWordArt="0" anchor="t" anchorCtr="0" forceAA="0" compatLnSpc="1">
+            <a:prstTxWarp prst="textNoShape">
+              <a:avLst/>
+            </a:prstTxWarp>
+            <a:noAutofit/>
+          </a:bodyPr>
+          <a:lstStyle/>
+          <a:p>
+            <a:pPr defTabSz="914102" fontAlgn="base">
+              <a:spcBef>
+                <a:spcPts val="588"/>
+              </a:spcBef>
+              <a:spcAft>
+                <a:spcPts val="1176"/>
+              </a:spcAft>
+            </a:pPr>
+            <a:r>
+              <a:rPr lang="en-US" sz="3039" kern="0" dirty="0">
+                <a:solidFill>
+                  <a:srgbClr val="FFFFFF"/>
+                </a:solidFill>
+                <a:latin typeface="Segoe UI Light"/>
+                <a:ea typeface="Segoe UI" pitchFamily="34" charset="0"/>
+                <a:cs typeface="Segoe UI" pitchFamily="34" charset="0"/>
+              </a:rPr>
+              <a:t>Best in Class Algorithms + R</a:t>
+            </a:r>
+          </a:p>
+        </p:txBody>
+      </p:sp>
+      <p:sp>
+        <p:nvSpPr>
+          <p:cNvPr id="13" name="Rectangle 12"/>
+          <p:cNvSpPr/>
+          <p:nvPr/>
+        </p:nvSpPr>
+        <p:spPr bwMode="auto">
+          <a:xfrm>
+            <a:off x="8845036" y="3055490"/>
+            <a:ext cx="2778917" cy="2958202"/>
+          </a:xfrm>
+          <a:prstGeom prst="rect">
+            <a:avLst/>
+          </a:prstGeom>
+          <a:solidFill>
+            <a:srgbClr val="5095D1"/>
+          </a:solidFill>
+          <a:ln>
+            <a:noFill/>
+            <a:headEnd type="none" w="med" len="med"/>
+            <a:tailEnd type="none" w="med" len="med"/>
+          </a:ln>
+          <a:effectLst/>
+        </p:spPr>
+        <p:style>
+          <a:lnRef idx="1">
+            <a:schemeClr val="accent2"/>
+          </a:lnRef>
+          <a:fillRef idx="3">
+            <a:schemeClr val="accent2"/>
+          </a:fillRef>
+          <a:effectRef idx="2">
+            <a:schemeClr val="accent2"/>
+          </a:effectRef>
+          <a:fontRef idx="minor">
+            <a:schemeClr val="lt1"/>
+          </a:fontRef>
+        </p:style>
+        <p:txBody>
+          <a:bodyPr rot="0" spcFirstLastPara="0" vertOverflow="overflow" horzOverflow="overflow" vert="horz" wrap="square" lIns="179285" tIns="143428" rIns="179285" bIns="143428" numCol="1" spcCol="0" rtlCol="0" fromWordArt="0" anchor="t" anchorCtr="0" forceAA="0" compatLnSpc="1">
+            <a:prstTxWarp prst="textNoShape">
+              <a:avLst/>
+            </a:prstTxWarp>
+            <a:noAutofit/>
+          </a:bodyPr>
+          <a:lstStyle/>
+          <a:p>
+            <a:pPr defTabSz="914102" fontAlgn="base">
+              <a:spcBef>
+                <a:spcPts val="588"/>
+              </a:spcBef>
+              <a:spcAft>
+                <a:spcPts val="1176"/>
+              </a:spcAft>
+            </a:pPr>
+            <a:r>
+              <a:rPr lang="en-US" sz="3137" kern="0" dirty="0">
+                <a:solidFill>
+                  <a:srgbClr val="FFFFFF"/>
+                </a:solidFill>
+                <a:latin typeface="Segoe UI Light"/>
+                <a:ea typeface="Segoe UI" pitchFamily="34" charset="0"/>
+                <a:cs typeface="Segoe UI" pitchFamily="34" charset="0"/>
+              </a:rPr>
+              <a:t>Deploy in minutes</a:t>
+            </a:r>
+          </a:p>
+        </p:txBody>
+      </p:sp>
+      <p:sp>
+        <p:nvSpPr>
+          <p:cNvPr id="14" name="Rectangle 13"/>
+          <p:cNvSpPr/>
+          <p:nvPr/>
+        </p:nvSpPr>
+        <p:spPr>
+          <a:xfrm>
+            <a:off x="478896" y="4442088"/>
+            <a:ext cx="2607782" cy="1176733"/>
+          </a:xfrm>
+          <a:prstGeom prst="rect">
+            <a:avLst/>
+          </a:prstGeom>
+        </p:spPr>
+        <p:txBody>
+          <a:bodyPr wrap="square" lIns="179285">
+            <a:spAutoFit/>
+          </a:bodyPr>
+          <a:lstStyle/>
+          <a:p>
+            <a:pPr defTabSz="914102" fontAlgn="base">
+              <a:spcBef>
+                <a:spcPts val="588"/>
+              </a:spcBef>
+              <a:spcAft>
+                <a:spcPct val="0"/>
+              </a:spcAft>
+            </a:pPr>
+            <a:r>
+              <a:rPr lang="en-US" sz="1765" kern="0" dirty="0">
+                <a:solidFill>
+                  <a:srgbClr val="FFFFFF"/>
+                </a:solidFill>
+                <a:ea typeface="Segoe UI" pitchFamily="34" charset="0"/>
+                <a:cs typeface="Segoe UI" pitchFamily="34" charset="0"/>
+              </a:rPr>
+              <a:t>No software to install, no hardware </a:t>
+            </a:r>
+            <a:r>
+              <a:rPr lang="en-US" sz="1765" kern="0" spc="-98" dirty="0">
+                <a:solidFill>
+                  <a:srgbClr val="FFFFFF"/>
+                </a:solidFill>
+                <a:ea typeface="Segoe UI" pitchFamily="34" charset="0"/>
+                <a:cs typeface="Segoe UI" pitchFamily="34" charset="0"/>
+              </a:rPr>
+              <a:t>to manage,</a:t>
+            </a:r>
+            <a:r>
+              <a:rPr lang="en-US" sz="1765" kern="0" dirty="0">
+                <a:solidFill>
+                  <a:srgbClr val="FFFFFF"/>
+                </a:solidFill>
+                <a:ea typeface="Segoe UI" pitchFamily="34" charset="0"/>
+                <a:cs typeface="Segoe UI" pitchFamily="34" charset="0"/>
+              </a:rPr>
+              <a:t> and one portal to view and update.</a:t>
+            </a:r>
+          </a:p>
+        </p:txBody>
+      </p:sp>
+      <p:sp>
+        <p:nvSpPr>
+          <p:cNvPr id="15" name="Rectangle 14"/>
+          <p:cNvSpPr/>
+          <p:nvPr/>
+        </p:nvSpPr>
+        <p:spPr>
+          <a:xfrm>
+            <a:off x="3257811" y="4442086"/>
+            <a:ext cx="2777982" cy="1448287"/>
+          </a:xfrm>
+          <a:prstGeom prst="rect">
+            <a:avLst/>
+          </a:prstGeom>
+        </p:spPr>
+        <p:txBody>
+          <a:bodyPr wrap="square" lIns="179285">
+            <a:spAutoFit/>
+          </a:bodyPr>
+          <a:lstStyle/>
+          <a:p>
+            <a:pPr defTabSz="914102" fontAlgn="base">
+              <a:spcBef>
+                <a:spcPts val="588"/>
+              </a:spcBef>
+              <a:spcAft>
+                <a:spcPct val="0"/>
+              </a:spcAft>
+            </a:pPr>
+            <a:r>
+              <a:rPr lang="en-US" sz="1765" kern="0" dirty="0">
+                <a:solidFill>
+                  <a:srgbClr val="FFFFFF"/>
+                </a:solidFill>
+                <a:ea typeface="Segoe UI" pitchFamily="34" charset="0"/>
+                <a:cs typeface="Segoe UI" pitchFamily="34" charset="0"/>
+              </a:rPr>
+              <a:t>Simple </a:t>
+            </a:r>
+            <a:r>
+              <a:rPr lang="en-US" sz="1765" kern="0" dirty="0" smtClean="0">
+                <a:solidFill>
+                  <a:srgbClr val="FFFFFF"/>
+                </a:solidFill>
+                <a:ea typeface="Segoe UI" pitchFamily="34" charset="0"/>
+                <a:cs typeface="Segoe UI" pitchFamily="34" charset="0"/>
+              </a:rPr>
+              <a:t>drag, drop, </a:t>
+            </a:r>
+            <a:r>
+              <a:rPr lang="en-US" sz="1765" kern="0" dirty="0">
+                <a:solidFill>
+                  <a:srgbClr val="FFFFFF"/>
+                </a:solidFill>
+                <a:ea typeface="Segoe UI" pitchFamily="34" charset="0"/>
+                <a:cs typeface="Segoe UI" pitchFamily="34" charset="0"/>
+              </a:rPr>
+              <a:t>and connect interface for Data Science. No need for programming for common tasks. </a:t>
+            </a:r>
+          </a:p>
+        </p:txBody>
+      </p:sp>
+      <p:sp>
+        <p:nvSpPr>
+          <p:cNvPr id="16" name="Rectangle 15"/>
+          <p:cNvSpPr/>
+          <p:nvPr/>
+        </p:nvSpPr>
+        <p:spPr>
+          <a:xfrm>
+            <a:off x="6036729" y="4442086"/>
+            <a:ext cx="2607782" cy="1448287"/>
+          </a:xfrm>
+          <a:prstGeom prst="rect">
+            <a:avLst/>
+          </a:prstGeom>
+        </p:spPr>
+        <p:txBody>
+          <a:bodyPr wrap="square" lIns="179285">
+            <a:spAutoFit/>
+          </a:bodyPr>
+          <a:lstStyle/>
+          <a:p>
+            <a:pPr defTabSz="914102" fontAlgn="base">
+              <a:spcBef>
+                <a:spcPts val="588"/>
+              </a:spcBef>
+              <a:spcAft>
+                <a:spcPct val="0"/>
+              </a:spcAft>
+            </a:pPr>
+            <a:r>
+              <a:rPr lang="en-US" sz="1765" kern="0" dirty="0">
+                <a:solidFill>
+                  <a:srgbClr val="FFFFFF"/>
+                </a:solidFill>
+                <a:ea typeface="Segoe UI" pitchFamily="34" charset="0"/>
+                <a:cs typeface="Segoe UI" pitchFamily="34" charset="0"/>
+              </a:rPr>
+              <a:t>Built-in collection of best of breed algorithms. Support for R and popular CRAN packages.</a:t>
+            </a:r>
+          </a:p>
+        </p:txBody>
+      </p:sp>
+      <p:sp>
+        <p:nvSpPr>
+          <p:cNvPr id="17" name="Rectangle 16"/>
+          <p:cNvSpPr/>
+          <p:nvPr/>
+        </p:nvSpPr>
+        <p:spPr>
+          <a:xfrm>
+            <a:off x="8816581" y="4442087"/>
+            <a:ext cx="2607782" cy="1176733"/>
+          </a:xfrm>
+          <a:prstGeom prst="rect">
+            <a:avLst/>
+          </a:prstGeom>
+        </p:spPr>
+        <p:txBody>
+          <a:bodyPr wrap="square" lIns="179285">
+            <a:spAutoFit/>
+          </a:bodyPr>
+          <a:lstStyle/>
+          <a:p>
+            <a:pPr defTabSz="914102" fontAlgn="base">
+              <a:spcBef>
+                <a:spcPts val="588"/>
+              </a:spcBef>
+              <a:spcAft>
+                <a:spcPct val="0"/>
+              </a:spcAft>
+            </a:pPr>
+            <a:r>
+              <a:rPr lang="en-US" sz="1765" kern="0" dirty="0">
+                <a:solidFill>
+                  <a:srgbClr val="FFFFFF"/>
+                </a:solidFill>
+                <a:ea typeface="Segoe UI" pitchFamily="34" charset="0"/>
+                <a:cs typeface="Segoe UI" pitchFamily="34" charset="0"/>
+              </a:rPr>
+              <a:t>Operationalize models with a single click. Monetize in Machine Learning Marketplace.</a:t>
+            </a:r>
+          </a:p>
+        </p:txBody>
+      </p:sp>
+    </p:spTree>
+    <p:extLst>
+      <p:ext uri="{BB962C8B-B14F-4D97-AF65-F5344CB8AC3E}">
+        <p14:creationId xmlns:p14="http://schemas.microsoft.com/office/powerpoint/2010/main" val="942082178"/>
+      </p:ext>
+    </p:extLst>
+  </p:cSld>
+  <p:clrMapOvr>
+    <a:masterClrMapping/>
+  </p:clrMapOvr>
+  <p:transition>
+    <p:fade/>
+  </p:transition>
+</p:sld>
+</file>
+
+<file path=ppt/slides/slide6.xml><?xml version="1.0" encoding="utf-8"?>
+<p:sld xmlns:a="http://schemas.openxmlformats.org/drawingml/2006/main" xmlns:r="http://schemas.openxmlformats.org/officeDocument/2006/relationships" xmlns:p="http://schemas.openxmlformats.org/presentationml/2006/main">
+  <p:cSld>
+    <p:spTree>
+      <p:nvGrpSpPr>
+        <p:cNvPr id="1" name=""/>
+        <p:cNvGrpSpPr/>
+        <p:nvPr/>
+      </p:nvGrpSpPr>
+      <p:grpSpPr>
+        <a:xfrm>
+          <a:off x="0" y="0"/>
+          <a:ext cx="0" cy="0"/>
+          <a:chOff x="0" y="0"/>
+          <a:chExt cx="0" cy="0"/>
+        </a:xfrm>
+      </p:grpSpPr>
+      <p:sp>
+        <p:nvSpPr>
+          <p:cNvPr id="4" name="TextBox 3"/>
+          <p:cNvSpPr txBox="1"/>
+          <p:nvPr/>
+        </p:nvSpPr>
+        <p:spPr>
+          <a:xfrm>
+            <a:off x="1334815" y="1334813"/>
+            <a:ext cx="9017876" cy="4154984"/>
+          </a:xfrm>
+          <a:prstGeom prst="rect">
+            <a:avLst/>
+          </a:prstGeom>
+          <a:noFill/>
+        </p:spPr>
+        <p:txBody>
+          <a:bodyPr wrap="square" lIns="0" tIns="0" rIns="0" bIns="0" rtlCol="0">
+            <a:spAutoFit/>
+          </a:bodyPr>
+          <a:lstStyle/>
+          <a:p>
+            <a:pPr algn="ctr">
+              <a:lnSpc>
+                <a:spcPct val="90000"/>
+              </a:lnSpc>
+              <a:spcBef>
+                <a:spcPct val="20000"/>
+              </a:spcBef>
+              <a:buSzPct val="80000"/>
+            </a:pPr>
+            <a:r>
+              <a:rPr lang="en-US" sz="6000" i="1" dirty="0" smtClean="0">
+                <a:solidFill>
+                  <a:schemeClr val="accent2"/>
+                </a:solidFill>
+                <a:latin typeface="Segoe UI Light" panose="020B0502040204020203" pitchFamily="34" charset="0"/>
+                <a:cs typeface="Segoe UI Light" panose="020B0502040204020203" pitchFamily="34" charset="0"/>
+              </a:rPr>
+              <a:t>I spent last semester building a regression model in Python, and I just did the same thing in 10 minutes with Azure ML</a:t>
+            </a:r>
+            <a:endParaRPr lang="en-US" sz="6000" i="1" dirty="0">
+              <a:solidFill>
+                <a:schemeClr val="accent2"/>
+              </a:solidFill>
+              <a:latin typeface="Segoe UI Light" panose="020B0502040204020203" pitchFamily="34" charset="0"/>
+              <a:cs typeface="Segoe UI Light" panose="020B0502040204020203" pitchFamily="34" charset="0"/>
+            </a:endParaRPr>
+          </a:p>
+        </p:txBody>
+      </p:sp>
+      <p:pic>
+        <p:nvPicPr>
+          <p:cNvPr id="8" name="Picture 7"/>
+          <p:cNvPicPr>
+            <a:picLocks noChangeAspect="1"/>
+          </p:cNvPicPr>
+          <p:nvPr/>
+        </p:nvPicPr>
+        <p:blipFill>
+          <a:blip r:embed="rId3" cstate="print">
+            <a:extLst>
+              <a:ext uri="{28A0092B-C50C-407E-A947-70E740481C1C}">
+                <a14:useLocalDpi xmlns:a14="http://schemas.microsoft.com/office/drawing/2010/main" val="0"/>
+              </a:ext>
+            </a:extLst>
+          </a:blip>
+          <a:stretch>
+            <a:fillRect/>
+          </a:stretch>
+        </p:blipFill>
+        <p:spPr>
+          <a:xfrm>
+            <a:off x="504528" y="874129"/>
+            <a:ext cx="1120158" cy="737437"/>
+          </a:xfrm>
+          <a:prstGeom prst="rect">
+            <a:avLst/>
+          </a:prstGeom>
+        </p:spPr>
+      </p:pic>
+      <p:pic>
+        <p:nvPicPr>
+          <p:cNvPr id="9" name="Picture 8"/>
+          <p:cNvPicPr>
+            <a:picLocks noChangeAspect="1"/>
+          </p:cNvPicPr>
+          <p:nvPr/>
+        </p:nvPicPr>
+        <p:blipFill>
+          <a:blip r:embed="rId4" cstate="print">
+            <a:extLst>
+              <a:ext uri="{28A0092B-C50C-407E-A947-70E740481C1C}">
+                <a14:useLocalDpi xmlns:a14="http://schemas.microsoft.com/office/drawing/2010/main" val="0"/>
+              </a:ext>
+            </a:extLst>
+          </a:blip>
+          <a:stretch>
+            <a:fillRect/>
+          </a:stretch>
+        </p:blipFill>
+        <p:spPr>
+          <a:xfrm>
+            <a:off x="10202486" y="4983654"/>
+            <a:ext cx="1120216" cy="737475"/>
+          </a:xfrm>
+          <a:prstGeom prst="rect">
+            <a:avLst/>
+          </a:prstGeom>
+        </p:spPr>
+      </p:pic>
+    </p:spTree>
+    <p:extLst>
+      <p:ext uri="{BB962C8B-B14F-4D97-AF65-F5344CB8AC3E}">
+        <p14:creationId xmlns:p14="http://schemas.microsoft.com/office/powerpoint/2010/main" val="2213141648"/>
+      </p:ext>
+    </p:extLst>
+  </p:cSld>
+  <p:clrMapOvr>
+    <a:masterClrMapping/>
+  </p:clrMapOvr>
+  <p:transition>
+    <p:fade/>
+  </p:transition>
+  <p:timing>
+    <p:tnLst>
+      <p:par>
+        <p:cTn id="1" dur="indefinite" restart="never" nodeType="tmRoot"/>
+      </p:par>
+    </p:tnLst>
+  </p:timing>
+</p:sld>
+</file>
+
 <file path=ppt/slides/slide7.xml><?xml version="1.0" encoding="utf-8"?>
+<p:sld xmlns:a="http://schemas.openxmlformats.org/drawingml/2006/main" xmlns:r="http://schemas.openxmlformats.org/officeDocument/2006/relationships" xmlns:p="http://schemas.openxmlformats.org/presentationml/2006/main">
+  <p:cSld>
+    <p:spTree>
+      <p:nvGrpSpPr>
+        <p:cNvPr id="1" name=""/>
+        <p:cNvGrpSpPr/>
+        <p:nvPr/>
+      </p:nvGrpSpPr>
+      <p:grpSpPr>
+        <a:xfrm>
+          <a:off x="0" y="0"/>
+          <a:ext cx="0" cy="0"/>
+          <a:chOff x="0" y="0"/>
+          <a:chExt cx="0" cy="0"/>
+        </a:xfrm>
+      </p:grpSpPr>
+      <p:sp>
+        <p:nvSpPr>
+          <p:cNvPr id="2" name="Title 1"/>
+          <p:cNvSpPr>
+            <a:spLocks noGrp="1"/>
+          </p:cNvSpPr>
+          <p:nvPr>
+            <p:ph type="title"/>
+          </p:nvPr>
+        </p:nvSpPr>
+        <p:spPr/>
+        <p:txBody>
+          <a:bodyPr/>
+          <a:lstStyle/>
+          <a:p>
+            <a:r>
+              <a:rPr lang="en-US" dirty="0" smtClean="0"/>
+              <a:t>Azure Machine </a:t>
+            </a:r>
+            <a:r>
+              <a:rPr lang="en-US" dirty="0" smtClean="0"/>
+              <a:t>Learning Studio</a:t>
+            </a:r>
+            <a:endParaRPr lang="en-US" dirty="0"/>
+          </a:p>
+        </p:txBody>
+      </p:sp>
+      <p:sp>
+        <p:nvSpPr>
+          <p:cNvPr id="3" name="Content Placeholder 2"/>
+          <p:cNvSpPr>
+            <a:spLocks noGrp="1"/>
+          </p:cNvSpPr>
+          <p:nvPr>
+            <p:ph idx="1"/>
+          </p:nvPr>
+        </p:nvSpPr>
+        <p:spPr>
+          <a:xfrm>
+            <a:off x="519247" y="1447800"/>
+            <a:ext cx="5725435" cy="4984570"/>
+          </a:xfrm>
+        </p:spPr>
+        <p:txBody>
+          <a:bodyPr/>
+          <a:lstStyle/>
+          <a:p>
+            <a:r>
+              <a:rPr lang="en-US" dirty="0" smtClean="0"/>
+              <a:t>Visual editor </a:t>
+            </a:r>
+            <a:r>
+              <a:rPr lang="en-US" dirty="0"/>
+              <a:t>for composing, </a:t>
+            </a:r>
+            <a:r>
+              <a:rPr lang="en-US" dirty="0" smtClean="0"/>
+              <a:t>testing, </a:t>
+            </a:r>
+            <a:r>
+              <a:rPr lang="en-US" dirty="0"/>
+              <a:t>and deploying </a:t>
+            </a:r>
+            <a:r>
+              <a:rPr lang="en-US" dirty="0" smtClean="0"/>
+              <a:t>ML </a:t>
+            </a:r>
+            <a:r>
+              <a:rPr lang="en-US" dirty="0"/>
+              <a:t>models</a:t>
+            </a:r>
+          </a:p>
+          <a:p>
+            <a:pPr lvl="1"/>
+            <a:r>
+              <a:rPr lang="en-US" dirty="0"/>
+              <a:t>H</a:t>
+            </a:r>
+            <a:r>
+              <a:rPr lang="en-US" dirty="0" smtClean="0"/>
+              <a:t>undreds </a:t>
+            </a:r>
+            <a:r>
+              <a:rPr lang="en-US" dirty="0"/>
+              <a:t>of modules</a:t>
+            </a:r>
+          </a:p>
+          <a:p>
+            <a:pPr lvl="1"/>
+            <a:r>
+              <a:rPr lang="en-US" dirty="0" smtClean="0"/>
+              <a:t>25 algorithms </a:t>
+            </a:r>
+            <a:r>
+              <a:rPr lang="en-US" dirty="0"/>
+              <a:t>for classification, regression, and more</a:t>
+            </a:r>
+          </a:p>
+          <a:p>
+            <a:pPr lvl="1"/>
+            <a:r>
+              <a:rPr lang="en-US" dirty="0"/>
+              <a:t>Supports text input, CSV, TSV, OData, </a:t>
+            </a:r>
+            <a:r>
+              <a:rPr lang="en-US" dirty="0" err="1"/>
+              <a:t>RData</a:t>
+            </a:r>
+            <a:r>
+              <a:rPr lang="en-US" dirty="0"/>
+              <a:t>, ZIP, and more</a:t>
+            </a:r>
+          </a:p>
+          <a:p>
+            <a:pPr lvl="1"/>
+            <a:r>
+              <a:rPr lang="en-US" dirty="0" smtClean="0"/>
+              <a:t>Supports </a:t>
+            </a:r>
+            <a:r>
+              <a:rPr lang="en-US" dirty="0"/>
+              <a:t>R and Python</a:t>
+            </a:r>
+          </a:p>
+          <a:p>
+            <a:r>
+              <a:rPr lang="en-US" dirty="0"/>
+              <a:t>Machine learning for the masses</a:t>
+            </a:r>
+          </a:p>
+        </p:txBody>
+      </p:sp>
+      <p:pic>
+        <p:nvPicPr>
+          <p:cNvPr id="4" name="Picture 3"/>
+          <p:cNvPicPr>
+            <a:picLocks noChangeAspect="1"/>
+          </p:cNvPicPr>
+          <p:nvPr/>
+        </p:nvPicPr>
+        <p:blipFill>
+          <a:blip r:embed="rId3">
+            <a:extLst>
+              <a:ext uri="{28A0092B-C50C-407E-A947-70E740481C1C}">
+                <a14:useLocalDpi xmlns:a14="http://schemas.microsoft.com/office/drawing/2010/main" val="0"/>
+              </a:ext>
+            </a:extLst>
+          </a:blip>
+          <a:stretch>
+            <a:fillRect/>
+          </a:stretch>
+        </p:blipFill>
+        <p:spPr>
+          <a:xfrm>
+            <a:off x="6558455" y="1447800"/>
+            <a:ext cx="4918842" cy="4296104"/>
+          </a:xfrm>
+          <a:prstGeom prst="rect">
+            <a:avLst/>
+          </a:prstGeom>
+          <a:ln>
+            <a:solidFill>
+              <a:schemeClr val="bg1">
+                <a:lumMod val="75000"/>
+              </a:schemeClr>
+            </a:solidFill>
+          </a:ln>
+          <a:effectLst>
+            <a:outerShdw blurRad="292100" dist="139700" dir="2700000" algn="tl" rotWithShape="0">
+              <a:srgbClr val="333333">
+                <a:alpha val="65000"/>
+              </a:srgbClr>
+            </a:outerShdw>
+          </a:effectLst>
+        </p:spPr>
+      </p:pic>
+    </p:spTree>
+    <p:extLst>
+      <p:ext uri="{BB962C8B-B14F-4D97-AF65-F5344CB8AC3E}">
+        <p14:creationId xmlns:p14="http://schemas.microsoft.com/office/powerpoint/2010/main" val="401679144"/>
+      </p:ext>
+    </p:extLst>
+  </p:cSld>
+  <p:clrMapOvr>
+    <a:masterClrMapping/>
+  </p:clrMapOvr>
+  <p:transition>
+    <p:fade/>
+  </p:transition>
+  <p:timing>
+    <p:tnLst>
+      <p:par>
+        <p:cTn id="1" dur="indefinite" restart="never" nodeType="tmRoot"/>
+      </p:par>
+    </p:tnLst>
+  </p:timing>
+</p:sld>
+</file>
+
+<file path=ppt/slides/slide8.xml><?xml version="1.0" encoding="utf-8"?>
 <p:sld xmlns:a="http://schemas.openxmlformats.org/drawingml/2006/main" xmlns:r="http://schemas.openxmlformats.org/officeDocument/2006/relationships" xmlns:p="http://schemas.openxmlformats.org/presentationml/2006/main">
   <p:cSld>
     <p:spTree>
@@ -13841,7 +14989,7 @@
 </p:sld>
 </file>
 
-<file path=ppt/slides/slide8.xml><?xml version="1.0" encoding="utf-8"?>
+<file path=ppt/slides/slide9.xml><?xml version="1.0" encoding="utf-8"?>
 <p:sld xmlns:a="http://schemas.openxmlformats.org/drawingml/2006/main" xmlns:r="http://schemas.openxmlformats.org/officeDocument/2006/relationships" xmlns:p="http://schemas.openxmlformats.org/presentationml/2006/main">
   <p:cSld>
     <p:spTree>
@@ -14019,111 +15167,6 @@
     <p:extLst>
       <p:ext uri="{BB962C8B-B14F-4D97-AF65-F5344CB8AC3E}">
         <p14:creationId xmlns:p14="http://schemas.microsoft.com/office/powerpoint/2010/main" val="344165650"/>
-      </p:ext>
-    </p:extLst>
-  </p:cSld>
-  <p:clrMapOvr>
-    <a:masterClrMapping/>
-  </p:clrMapOvr>
-  <p:transition>
-    <p:fade/>
-  </p:transition>
-  <p:timing>
-    <p:tnLst>
-      <p:par>
-        <p:cTn id="1" dur="indefinite" restart="never" nodeType="tmRoot"/>
-      </p:par>
-    </p:tnLst>
-  </p:timing>
-</p:sld>
-</file>
-
-<file path=ppt/slides/slide9.xml><?xml version="1.0" encoding="utf-8"?>
-<p:sld xmlns:a="http://schemas.openxmlformats.org/drawingml/2006/main" xmlns:r="http://schemas.openxmlformats.org/officeDocument/2006/relationships" xmlns:p="http://schemas.openxmlformats.org/presentationml/2006/main">
-  <p:cSld>
-    <p:spTree>
-      <p:nvGrpSpPr>
-        <p:cNvPr id="1" name=""/>
-        <p:cNvGrpSpPr/>
-        <p:nvPr/>
-      </p:nvGrpSpPr>
-      <p:grpSpPr>
-        <a:xfrm>
-          <a:off x="0" y="0"/>
-          <a:ext cx="0" cy="0"/>
-          <a:chOff x="0" y="0"/>
-          <a:chExt cx="0" cy="0"/>
-        </a:xfrm>
-      </p:grpSpPr>
-      <p:pic>
-        <p:nvPicPr>
-          <p:cNvPr id="5" name="Picture 4"/>
-          <p:cNvPicPr>
-            <a:picLocks noChangeAspect="1"/>
-          </p:cNvPicPr>
-          <p:nvPr/>
-        </p:nvPicPr>
-        <p:blipFill>
-          <a:blip r:embed="rId3"/>
-          <a:stretch>
-            <a:fillRect/>
-          </a:stretch>
-        </p:blipFill>
-        <p:spPr>
-          <a:xfrm>
-            <a:off x="0" y="0"/>
-            <a:ext cx="10604938" cy="6859501"/>
-          </a:xfrm>
-          <a:prstGeom prst="rect">
-            <a:avLst/>
-          </a:prstGeom>
-        </p:spPr>
-      </p:pic>
-      <p:sp>
-        <p:nvSpPr>
-          <p:cNvPr id="2" name="Title 1"/>
-          <p:cNvSpPr>
-            <a:spLocks noGrp="1"/>
-          </p:cNvSpPr>
-          <p:nvPr>
-            <p:ph type="title"/>
-          </p:nvPr>
-        </p:nvSpPr>
-        <p:spPr>
-          <a:xfrm rot="16200000">
-            <a:off x="7965374" y="3152001"/>
-            <a:ext cx="6858000" cy="553998"/>
-          </a:xfrm>
-        </p:spPr>
-        <p:txBody>
-          <a:bodyPr/>
-          <a:lstStyle/>
-          <a:p>
-            <a:pPr algn="ctr"/>
-            <a:r>
-              <a:rPr lang="en-US" sz="4000" dirty="0" smtClean="0"/>
-              <a:t>http://</a:t>
-            </a:r>
-            <a:r>
-              <a:rPr lang="en-US" sz="4000" dirty="0" err="1" smtClean="0"/>
-              <a:t>aka.ms</a:t>
-            </a:r>
-            <a:r>
-              <a:rPr lang="en-US" sz="4000" dirty="0" smtClean="0"/>
-              <a:t>/</a:t>
-            </a:r>
-            <a:r>
-              <a:rPr lang="en-US" sz="4000" dirty="0" err="1" smtClean="0"/>
-              <a:t>MLCheatSheet</a:t>
-            </a:r>
-            <a:endParaRPr lang="en-US" sz="4000" dirty="0"/>
-          </a:p>
-        </p:txBody>
-      </p:sp>
-    </p:spTree>
-    <p:extLst>
-      <p:ext uri="{BB962C8B-B14F-4D97-AF65-F5344CB8AC3E}">
-        <p14:creationId xmlns:p14="http://schemas.microsoft.com/office/powerpoint/2010/main" val="857841679"/>
       </p:ext>
     </p:extLst>
   </p:cSld>

--- a/Content/Machine Learning/Azure Machine Learning.pptx
+++ b/Content/Machine Learning/Azure Machine Learning.pptx
@@ -210,7 +210,7 @@
           <a:p>
             <a:fld id="{2E5CA586-3557-4985-BCD4-35EF5AC8B4A4}" type="datetimeFigureOut">
               <a:rPr lang="en-US" smtClean="0"/>
-              <a:t>10/10/2016</a:t>
+              <a:t>5/10/2017</a:t>
             </a:fld>
             <a:endParaRPr lang="en-US"/>
           </a:p>
@@ -14645,11 +14645,7 @@
           <a:p>
             <a:r>
               <a:rPr lang="en-US" dirty="0" smtClean="0"/>
-              <a:t>Azure Machine </a:t>
-            </a:r>
-            <a:r>
-              <a:rPr lang="en-US" dirty="0" smtClean="0"/>
-              <a:t>Learning Studio</a:t>
+              <a:t>Azure Machine Learning Studio</a:t>
             </a:r>
             <a:endParaRPr lang="en-US" dirty="0"/>
           </a:p>
